--- a/Tarefa-02/Apresentacao_EDL.pptx
+++ b/Tarefa-02/Apresentacao_EDL.pptx
@@ -8,6 +8,7 @@
     <p:sldId id="256" r:id="rId2"/>
     <p:sldId id="257" r:id="rId3"/>
     <p:sldId id="258" r:id="rId4"/>
+    <p:sldId id="259" r:id="rId5"/>
   </p:sldIdLst>
   <p:sldSz cx="12192000" cy="6858000"/>
   <p:notesSz cx="6858000" cy="9144000"/>
@@ -303,7 +304,7 @@
             <a:fld id="{B61BEF0D-F0BB-DE4B-95CE-6DB70DBA9567}" type="datetimeFigureOut">
               <a:rPr lang="en-US" dirty="0"/>
               <a:pPr/>
-              <a:t>9/8/2019</a:t>
+              <a:t>9/10/2019</a:t>
             </a:fld>
             <a:endParaRPr lang="en-US" dirty="0"/>
           </a:p>
@@ -638,7 +639,7 @@
             <a:fld id="{B61BEF0D-F0BB-DE4B-95CE-6DB70DBA9567}" type="datetimeFigureOut">
               <a:rPr lang="en-US" dirty="0"/>
               <a:pPr/>
-              <a:t>9/8/2019</a:t>
+              <a:t>9/10/2019</a:t>
             </a:fld>
             <a:endParaRPr lang="en-US" dirty="0"/>
           </a:p>
@@ -1036,7 +1037,7 @@
             <a:fld id="{B61BEF0D-F0BB-DE4B-95CE-6DB70DBA9567}" type="datetimeFigureOut">
               <a:rPr lang="en-US" dirty="0"/>
               <a:pPr/>
-              <a:t>9/8/2019</a:t>
+              <a:t>9/10/2019</a:t>
             </a:fld>
             <a:endParaRPr lang="en-US" dirty="0"/>
           </a:p>
@@ -1369,7 +1370,7 @@
             <a:fld id="{B61BEF0D-F0BB-DE4B-95CE-6DB70DBA9567}" type="datetimeFigureOut">
               <a:rPr lang="en-US" dirty="0"/>
               <a:pPr/>
-              <a:t>9/8/2019</a:t>
+              <a:t>9/10/2019</a:t>
             </a:fld>
             <a:endParaRPr lang="en-US" dirty="0"/>
           </a:p>
@@ -1686,7 +1687,7 @@
             <a:fld id="{B61BEF0D-F0BB-DE4B-95CE-6DB70DBA9567}" type="datetimeFigureOut">
               <a:rPr lang="en-US" dirty="0"/>
               <a:pPr/>
-              <a:t>9/8/2019</a:t>
+              <a:t>9/10/2019</a:t>
             </a:fld>
             <a:endParaRPr lang="en-US" dirty="0"/>
           </a:p>
@@ -2079,7 +2080,7 @@
             <a:fld id="{B61BEF0D-F0BB-DE4B-95CE-6DB70DBA9567}" type="datetimeFigureOut">
               <a:rPr lang="en-US" dirty="0"/>
               <a:pPr/>
-              <a:t>9/8/2019</a:t>
+              <a:t>9/10/2019</a:t>
             </a:fld>
             <a:endParaRPr lang="en-US" dirty="0"/>
           </a:p>
@@ -2333,7 +2334,7 @@
             <a:fld id="{B61BEF0D-F0BB-DE4B-95CE-6DB70DBA9567}" type="datetimeFigureOut">
               <a:rPr lang="en-US" dirty="0"/>
               <a:pPr/>
-              <a:t>9/8/2019</a:t>
+              <a:t>9/10/2019</a:t>
             </a:fld>
             <a:endParaRPr lang="en-US" dirty="0"/>
           </a:p>
@@ -2592,7 +2593,7 @@
             <a:fld id="{B61BEF0D-F0BB-DE4B-95CE-6DB70DBA9567}" type="datetimeFigureOut">
               <a:rPr lang="en-US" dirty="0"/>
               <a:pPr/>
-              <a:t>9/8/2019</a:t>
+              <a:t>9/10/2019</a:t>
             </a:fld>
             <a:endParaRPr lang="en-US" dirty="0"/>
           </a:p>
@@ -2851,7 +2852,7 @@
             <a:fld id="{B61BEF0D-F0BB-DE4B-95CE-6DB70DBA9567}" type="datetimeFigureOut">
               <a:rPr lang="en-US" dirty="0"/>
               <a:pPr/>
-              <a:t>9/8/2019</a:t>
+              <a:t>9/10/2019</a:t>
             </a:fld>
             <a:endParaRPr lang="en-US" dirty="0"/>
           </a:p>
@@ -3177,7 +3178,7 @@
             <a:fld id="{B61BEF0D-F0BB-DE4B-95CE-6DB70DBA9567}" type="datetimeFigureOut">
               <a:rPr lang="en-US" dirty="0"/>
               <a:pPr/>
-              <a:t>9/8/2019</a:t>
+              <a:t>9/10/2019</a:t>
             </a:fld>
             <a:endParaRPr lang="en-US" dirty="0"/>
           </a:p>
@@ -3497,7 +3498,7 @@
             <a:fld id="{B61BEF0D-F0BB-DE4B-95CE-6DB70DBA9567}" type="datetimeFigureOut">
               <a:rPr lang="en-US" dirty="0"/>
               <a:pPr/>
-              <a:t>9/8/2019</a:t>
+              <a:t>9/10/2019</a:t>
             </a:fld>
             <a:endParaRPr lang="en-US" dirty="0"/>
           </a:p>
@@ -3951,7 +3952,7 @@
             <a:fld id="{B61BEF0D-F0BB-DE4B-95CE-6DB70DBA9567}" type="datetimeFigureOut">
               <a:rPr lang="en-US" dirty="0"/>
               <a:pPr/>
-              <a:t>9/8/2019</a:t>
+              <a:t>9/10/2019</a:t>
             </a:fld>
             <a:endParaRPr lang="en-US" dirty="0"/>
           </a:p>
@@ -4153,7 +4154,7 @@
             <a:fld id="{B61BEF0D-F0BB-DE4B-95CE-6DB70DBA9567}" type="datetimeFigureOut">
               <a:rPr lang="en-US" dirty="0"/>
               <a:pPr/>
-              <a:t>9/8/2019</a:t>
+              <a:t>9/10/2019</a:t>
             </a:fld>
             <a:endParaRPr lang="en-US" dirty="0"/>
           </a:p>
@@ -4327,7 +4328,7 @@
             <a:fld id="{B61BEF0D-F0BB-DE4B-95CE-6DB70DBA9567}" type="datetimeFigureOut">
               <a:rPr lang="en-US" dirty="0"/>
               <a:pPr/>
-              <a:t>9/8/2019</a:t>
+              <a:t>9/10/2019</a:t>
             </a:fld>
             <a:endParaRPr lang="en-US" dirty="0"/>
           </a:p>
@@ -4657,7 +4658,7 @@
             <a:fld id="{B61BEF0D-F0BB-DE4B-95CE-6DB70DBA9567}" type="datetimeFigureOut">
               <a:rPr lang="en-US" dirty="0"/>
               <a:pPr/>
-              <a:t>9/8/2019</a:t>
+              <a:t>9/10/2019</a:t>
             </a:fld>
             <a:endParaRPr lang="en-US" dirty="0"/>
           </a:p>
@@ -4999,7 +5000,7 @@
             <a:fld id="{B61BEF0D-F0BB-DE4B-95CE-6DB70DBA9567}" type="datetimeFigureOut">
               <a:rPr lang="en-US" dirty="0"/>
               <a:pPr/>
-              <a:t>9/8/2019</a:t>
+              <a:t>9/10/2019</a:t>
             </a:fld>
             <a:endParaRPr lang="en-US" dirty="0"/>
           </a:p>
@@ -7113,7 +7114,7 @@
             <a:fld id="{B61BEF0D-F0BB-DE4B-95CE-6DB70DBA9567}" type="datetimeFigureOut">
               <a:rPr lang="en-US" dirty="0"/>
               <a:pPr/>
-              <a:t>9/8/2019</a:t>
+              <a:t>9/10/2019</a:t>
             </a:fld>
             <a:endParaRPr lang="en-US" dirty="0"/>
           </a:p>
@@ -7698,11 +7699,6 @@
               </a:rPr>
               <a:t>Professor: Francisco Figueiredo Goytacaz Sant’Anna</a:t>
             </a:r>
-            <a:endParaRPr lang="pt-BR" dirty="0" smtClean="0">
-              <a:solidFill>
-                <a:schemeClr val="tx1"/>
-              </a:solidFill>
-            </a:endParaRPr>
           </a:p>
         </p:txBody>
       </p:sp>
@@ -7789,8 +7785,13 @@
           <a:p>
             <a:r>
               <a:rPr lang="pt-BR" dirty="0" smtClean="0"/>
-              <a:t>Classificação da Linguagem Script</a:t>
-            </a:r>
+              <a:t>Classificação da </a:t>
+            </a:r>
+            <a:r>
+              <a:rPr lang="pt-BR" dirty="0" smtClean="0"/>
+              <a:t>Linguagem</a:t>
+            </a:r>
+            <a:endParaRPr lang="pt-BR" dirty="0" smtClean="0"/>
           </a:p>
           <a:p>
             <a:r>
@@ -7883,19 +7884,221 @@
             <p:ph idx="1"/>
           </p:nvPr>
         </p:nvSpPr>
-        <p:spPr/>
-        <p:txBody>
-          <a:bodyPr/>
+        <p:spPr>
+          <a:xfrm>
+            <a:off x="1985320" y="1650370"/>
+            <a:ext cx="3501080" cy="3777622"/>
+          </a:xfrm>
+        </p:spPr>
+        <p:txBody>
+          <a:bodyPr>
+            <a:normAutofit/>
+          </a:bodyPr>
           <a:lstStyle/>
           <a:p>
-            <a:endParaRPr lang="pt-BR" dirty="0"/>
-          </a:p>
-        </p:txBody>
-      </p:sp>
+            <a:r>
+              <a:rPr lang="pt-BR" sz="1400" dirty="0" smtClean="0"/>
+              <a:t>Linguagem Shell Script.</a:t>
+            </a:r>
+          </a:p>
+          <a:p>
+            <a:r>
+              <a:rPr lang="pt-BR" sz="1400" dirty="0" smtClean="0"/>
+              <a:t>Sistemas Operativos baseados em GNU/Unix.</a:t>
+            </a:r>
+          </a:p>
+          <a:p>
+            <a:r>
+              <a:rPr lang="pt-BR" sz="1400" dirty="0" smtClean="0"/>
+              <a:t>Ken Thompson, 1971.</a:t>
+            </a:r>
+          </a:p>
+          <a:p>
+            <a:r>
+              <a:rPr lang="pt-BR" sz="1400" dirty="0" smtClean="0"/>
+              <a:t>Shell </a:t>
+            </a:r>
+            <a:r>
+              <a:rPr lang="pt-BR" sz="1400" dirty="0" err="1" smtClean="0"/>
+              <a:t>Bourne</a:t>
+            </a:r>
+            <a:r>
+              <a:rPr lang="pt-BR" sz="1400" dirty="0" smtClean="0"/>
+              <a:t>, 1977.</a:t>
+            </a:r>
+            <a:endParaRPr lang="pt-BR" sz="1400" dirty="0" smtClean="0"/>
+          </a:p>
+          <a:p>
+            <a:endParaRPr lang="pt-BR" sz="1400" dirty="0"/>
+          </a:p>
+        </p:txBody>
+      </p:sp>
+      <p:pic>
+        <p:nvPicPr>
+          <p:cNvPr id="7" name="Imagem 6"/>
+          <p:cNvPicPr>
+            <a:picLocks noChangeAspect="1"/>
+          </p:cNvPicPr>
+          <p:nvPr/>
+        </p:nvPicPr>
+        <p:blipFill>
+          <a:blip r:embed="rId2">
+            <a:extLst>
+              <a:ext uri="{28A0092B-C50C-407E-A947-70E740481C1C}">
+                <a14:useLocalDpi xmlns:a14="http://schemas.microsoft.com/office/drawing/2010/main" val="0"/>
+              </a:ext>
+            </a:extLst>
+          </a:blip>
+          <a:stretch>
+            <a:fillRect/>
+          </a:stretch>
+        </p:blipFill>
+        <p:spPr>
+          <a:xfrm>
+            <a:off x="5738126" y="1503464"/>
+            <a:ext cx="5766486" cy="3669898"/>
+          </a:xfrm>
+          <a:prstGeom prst="rect">
+            <a:avLst/>
+          </a:prstGeom>
+        </p:spPr>
+      </p:pic>
     </p:spTree>
     <p:extLst>
       <p:ext uri="{BB962C8B-B14F-4D97-AF65-F5344CB8AC3E}">
         <p14:creationId xmlns:p14="http://schemas.microsoft.com/office/powerpoint/2010/main" val="4264718473"/>
+      </p:ext>
+    </p:extLst>
+  </p:cSld>
+  <p:clrMapOvr>
+    <a:masterClrMapping/>
+  </p:clrMapOvr>
+  <p:timing>
+    <p:tnLst>
+      <p:par>
+        <p:cTn id="1" dur="indefinite" restart="never" nodeType="tmRoot"/>
+      </p:par>
+    </p:tnLst>
+  </p:timing>
+</p:sld>
+</file>
+
+<file path=ppt/slides/slide4.xml><?xml version="1.0" encoding="utf-8"?>
+<p:sld xmlns:a="http://schemas.openxmlformats.org/drawingml/2006/main" xmlns:r="http://schemas.openxmlformats.org/officeDocument/2006/relationships" xmlns:p="http://schemas.openxmlformats.org/presentationml/2006/main">
+  <p:cSld>
+    <p:spTree>
+      <p:nvGrpSpPr>
+        <p:cNvPr id="1" name=""/>
+        <p:cNvGrpSpPr/>
+        <p:nvPr/>
+      </p:nvGrpSpPr>
+      <p:grpSpPr>
+        <a:xfrm>
+          <a:off x="0" y="0"/>
+          <a:ext cx="0" cy="0"/>
+          <a:chOff x="0" y="0"/>
+          <a:chExt cx="0" cy="0"/>
+        </a:xfrm>
+      </p:grpSpPr>
+      <p:sp>
+        <p:nvSpPr>
+          <p:cNvPr id="2" name="Título 1"/>
+          <p:cNvSpPr>
+            <a:spLocks noGrp="1"/>
+          </p:cNvSpPr>
+          <p:nvPr>
+            <p:ph type="title"/>
+          </p:nvPr>
+        </p:nvSpPr>
+        <p:spPr/>
+        <p:txBody>
+          <a:bodyPr/>
+          <a:lstStyle/>
+          <a:p>
+            <a:r>
+              <a:rPr lang="pt-BR" dirty="0" smtClean="0"/>
+              <a:t>Classificação da Linguagem</a:t>
+            </a:r>
+            <a:endParaRPr lang="pt-BR" dirty="0"/>
+          </a:p>
+        </p:txBody>
+      </p:sp>
+      <p:sp>
+        <p:nvSpPr>
+          <p:cNvPr id="3" name="Espaço Reservado para Conteúdo 2"/>
+          <p:cNvSpPr>
+            <a:spLocks noGrp="1"/>
+          </p:cNvSpPr>
+          <p:nvPr>
+            <p:ph idx="1"/>
+          </p:nvPr>
+        </p:nvSpPr>
+        <p:spPr>
+          <a:xfrm>
+            <a:off x="1856044" y="1968843"/>
+            <a:ext cx="3210226" cy="3777622"/>
+          </a:xfrm>
+        </p:spPr>
+        <p:txBody>
+          <a:bodyPr/>
+          <a:lstStyle/>
+          <a:p>
+            <a:r>
+              <a:rPr lang="pt-BR" dirty="0" smtClean="0"/>
+              <a:t>Imperativo: Estrutura de repetição, estruturas de </a:t>
+            </a:r>
+            <a:r>
+              <a:rPr lang="pt-BR" dirty="0"/>
+              <a:t>r</a:t>
+            </a:r>
+            <a:r>
+              <a:rPr lang="pt-BR" dirty="0" smtClean="0"/>
+              <a:t>epetição, mudança de comportamento de variáveis, </a:t>
+            </a:r>
+          </a:p>
+          <a:p>
+            <a:r>
+              <a:rPr lang="pt-BR" dirty="0" smtClean="0"/>
+              <a:t>Procedural: Pode-se criar e reutilizar sub-rotinas a qualquer momento, somente, respeitando </a:t>
+            </a:r>
+            <a:endParaRPr lang="pt-BR" dirty="0"/>
+          </a:p>
+        </p:txBody>
+      </p:sp>
+      <p:pic>
+        <p:nvPicPr>
+          <p:cNvPr id="4" name="Imagem 3"/>
+          <p:cNvPicPr>
+            <a:picLocks noChangeAspect="1"/>
+          </p:cNvPicPr>
+          <p:nvPr/>
+        </p:nvPicPr>
+        <p:blipFill>
+          <a:blip r:embed="rId2">
+            <a:extLst>
+              <a:ext uri="{28A0092B-C50C-407E-A947-70E740481C1C}">
+                <a14:useLocalDpi xmlns:a14="http://schemas.microsoft.com/office/drawing/2010/main" val="0"/>
+              </a:ext>
+            </a:extLst>
+          </a:blip>
+          <a:stretch>
+            <a:fillRect/>
+          </a:stretch>
+        </p:blipFill>
+        <p:spPr>
+          <a:xfrm>
+            <a:off x="5312271" y="1905000"/>
+            <a:ext cx="2457143" cy="2000000"/>
+          </a:xfrm>
+          <a:prstGeom prst="rect">
+            <a:avLst/>
+          </a:prstGeom>
+        </p:spPr>
+      </p:pic>
+    </p:spTree>
+    <p:extLst>
+      <p:ext uri="{BB962C8B-B14F-4D97-AF65-F5344CB8AC3E}">
+        <p14:creationId xmlns:p14="http://schemas.microsoft.com/office/powerpoint/2010/main" val="1930304185"/>
       </p:ext>
     </p:extLst>
   </p:cSld>

--- a/Tarefa-02/Apresentacao_EDL.pptx
+++ b/Tarefa-02/Apresentacao_EDL.pptx
@@ -9,6 +9,11 @@
     <p:sldId id="257" r:id="rId3"/>
     <p:sldId id="258" r:id="rId4"/>
     <p:sldId id="259" r:id="rId5"/>
+    <p:sldId id="260" r:id="rId6"/>
+    <p:sldId id="264" r:id="rId7"/>
+    <p:sldId id="262" r:id="rId8"/>
+    <p:sldId id="263" r:id="rId9"/>
+    <p:sldId id="261" r:id="rId10"/>
   </p:sldIdLst>
   <p:sldSz cx="12192000" cy="6858000"/>
   <p:notesSz cx="6858000" cy="9144000"/>
@@ -304,7 +309,7 @@
             <a:fld id="{B61BEF0D-F0BB-DE4B-95CE-6DB70DBA9567}" type="datetimeFigureOut">
               <a:rPr lang="en-US" dirty="0"/>
               <a:pPr/>
-              <a:t>9/10/2019</a:t>
+              <a:t>9/15/2019</a:t>
             </a:fld>
             <a:endParaRPr lang="en-US" dirty="0"/>
           </a:p>
@@ -639,7 +644,7 @@
             <a:fld id="{B61BEF0D-F0BB-DE4B-95CE-6DB70DBA9567}" type="datetimeFigureOut">
               <a:rPr lang="en-US" dirty="0"/>
               <a:pPr/>
-              <a:t>9/10/2019</a:t>
+              <a:t>9/15/2019</a:t>
             </a:fld>
             <a:endParaRPr lang="en-US" dirty="0"/>
           </a:p>
@@ -1037,7 +1042,7 @@
             <a:fld id="{B61BEF0D-F0BB-DE4B-95CE-6DB70DBA9567}" type="datetimeFigureOut">
               <a:rPr lang="en-US" dirty="0"/>
               <a:pPr/>
-              <a:t>9/10/2019</a:t>
+              <a:t>9/15/2019</a:t>
             </a:fld>
             <a:endParaRPr lang="en-US" dirty="0"/>
           </a:p>
@@ -1370,7 +1375,7 @@
             <a:fld id="{B61BEF0D-F0BB-DE4B-95CE-6DB70DBA9567}" type="datetimeFigureOut">
               <a:rPr lang="en-US" dirty="0"/>
               <a:pPr/>
-              <a:t>9/10/2019</a:t>
+              <a:t>9/15/2019</a:t>
             </a:fld>
             <a:endParaRPr lang="en-US" dirty="0"/>
           </a:p>
@@ -1687,7 +1692,7 @@
             <a:fld id="{B61BEF0D-F0BB-DE4B-95CE-6DB70DBA9567}" type="datetimeFigureOut">
               <a:rPr lang="en-US" dirty="0"/>
               <a:pPr/>
-              <a:t>9/10/2019</a:t>
+              <a:t>9/15/2019</a:t>
             </a:fld>
             <a:endParaRPr lang="en-US" dirty="0"/>
           </a:p>
@@ -2080,7 +2085,7 @@
             <a:fld id="{B61BEF0D-F0BB-DE4B-95CE-6DB70DBA9567}" type="datetimeFigureOut">
               <a:rPr lang="en-US" dirty="0"/>
               <a:pPr/>
-              <a:t>9/10/2019</a:t>
+              <a:t>9/15/2019</a:t>
             </a:fld>
             <a:endParaRPr lang="en-US" dirty="0"/>
           </a:p>
@@ -2334,7 +2339,7 @@
             <a:fld id="{B61BEF0D-F0BB-DE4B-95CE-6DB70DBA9567}" type="datetimeFigureOut">
               <a:rPr lang="en-US" dirty="0"/>
               <a:pPr/>
-              <a:t>9/10/2019</a:t>
+              <a:t>9/15/2019</a:t>
             </a:fld>
             <a:endParaRPr lang="en-US" dirty="0"/>
           </a:p>
@@ -2593,7 +2598,7 @@
             <a:fld id="{B61BEF0D-F0BB-DE4B-95CE-6DB70DBA9567}" type="datetimeFigureOut">
               <a:rPr lang="en-US" dirty="0"/>
               <a:pPr/>
-              <a:t>9/10/2019</a:t>
+              <a:t>9/15/2019</a:t>
             </a:fld>
             <a:endParaRPr lang="en-US" dirty="0"/>
           </a:p>
@@ -2852,7 +2857,7 @@
             <a:fld id="{B61BEF0D-F0BB-DE4B-95CE-6DB70DBA9567}" type="datetimeFigureOut">
               <a:rPr lang="en-US" dirty="0"/>
               <a:pPr/>
-              <a:t>9/10/2019</a:t>
+              <a:t>9/15/2019</a:t>
             </a:fld>
             <a:endParaRPr lang="en-US" dirty="0"/>
           </a:p>
@@ -3178,7 +3183,7 @@
             <a:fld id="{B61BEF0D-F0BB-DE4B-95CE-6DB70DBA9567}" type="datetimeFigureOut">
               <a:rPr lang="en-US" dirty="0"/>
               <a:pPr/>
-              <a:t>9/10/2019</a:t>
+              <a:t>9/15/2019</a:t>
             </a:fld>
             <a:endParaRPr lang="en-US" dirty="0"/>
           </a:p>
@@ -3498,7 +3503,7 @@
             <a:fld id="{B61BEF0D-F0BB-DE4B-95CE-6DB70DBA9567}" type="datetimeFigureOut">
               <a:rPr lang="en-US" dirty="0"/>
               <a:pPr/>
-              <a:t>9/10/2019</a:t>
+              <a:t>9/15/2019</a:t>
             </a:fld>
             <a:endParaRPr lang="en-US" dirty="0"/>
           </a:p>
@@ -3952,7 +3957,7 @@
             <a:fld id="{B61BEF0D-F0BB-DE4B-95CE-6DB70DBA9567}" type="datetimeFigureOut">
               <a:rPr lang="en-US" dirty="0"/>
               <a:pPr/>
-              <a:t>9/10/2019</a:t>
+              <a:t>9/15/2019</a:t>
             </a:fld>
             <a:endParaRPr lang="en-US" dirty="0"/>
           </a:p>
@@ -4154,7 +4159,7 @@
             <a:fld id="{B61BEF0D-F0BB-DE4B-95CE-6DB70DBA9567}" type="datetimeFigureOut">
               <a:rPr lang="en-US" dirty="0"/>
               <a:pPr/>
-              <a:t>9/10/2019</a:t>
+              <a:t>9/15/2019</a:t>
             </a:fld>
             <a:endParaRPr lang="en-US" dirty="0"/>
           </a:p>
@@ -4328,7 +4333,7 @@
             <a:fld id="{B61BEF0D-F0BB-DE4B-95CE-6DB70DBA9567}" type="datetimeFigureOut">
               <a:rPr lang="en-US" dirty="0"/>
               <a:pPr/>
-              <a:t>9/10/2019</a:t>
+              <a:t>9/15/2019</a:t>
             </a:fld>
             <a:endParaRPr lang="en-US" dirty="0"/>
           </a:p>
@@ -4658,7 +4663,7 @@
             <a:fld id="{B61BEF0D-F0BB-DE4B-95CE-6DB70DBA9567}" type="datetimeFigureOut">
               <a:rPr lang="en-US" dirty="0"/>
               <a:pPr/>
-              <a:t>9/10/2019</a:t>
+              <a:t>9/15/2019</a:t>
             </a:fld>
             <a:endParaRPr lang="en-US" dirty="0"/>
           </a:p>
@@ -5000,7 +5005,7 @@
             <a:fld id="{B61BEF0D-F0BB-DE4B-95CE-6DB70DBA9567}" type="datetimeFigureOut">
               <a:rPr lang="en-US" dirty="0"/>
               <a:pPr/>
-              <a:t>9/10/2019</a:t>
+              <a:t>9/15/2019</a:t>
             </a:fld>
             <a:endParaRPr lang="en-US" dirty="0"/>
           </a:p>
@@ -7114,7 +7119,7 @@
             <a:fld id="{B61BEF0D-F0BB-DE4B-95CE-6DB70DBA9567}" type="datetimeFigureOut">
               <a:rPr lang="en-US" dirty="0"/>
               <a:pPr/>
-              <a:t>9/10/2019</a:t>
+              <a:t>9/15/2019</a:t>
             </a:fld>
             <a:endParaRPr lang="en-US" dirty="0"/>
           </a:p>
@@ -7785,13 +7790,8 @@
           <a:p>
             <a:r>
               <a:rPr lang="pt-BR" dirty="0" smtClean="0"/>
-              <a:t>Classificação da </a:t>
-            </a:r>
-            <a:r>
-              <a:rPr lang="pt-BR" dirty="0" smtClean="0"/>
-              <a:t>Linguagem</a:t>
-            </a:r>
-            <a:endParaRPr lang="pt-BR" dirty="0" smtClean="0"/>
+              <a:t>Classificação da Linguagem</a:t>
+            </a:r>
           </a:p>
           <a:p>
             <a:r>
@@ -7926,7 +7926,6 @@
               <a:rPr lang="pt-BR" sz="1400" dirty="0" smtClean="0"/>
               <a:t>, 1977.</a:t>
             </a:r>
-            <a:endParaRPr lang="pt-BR" sz="1400" dirty="0" smtClean="0"/>
           </a:p>
           <a:p>
             <a:endParaRPr lang="pt-BR" sz="1400" dirty="0"/>
@@ -8105,6 +8104,676 @@
   <p:clrMapOvr>
     <a:masterClrMapping/>
   </p:clrMapOvr>
+  <p:timing>
+    <p:tnLst>
+      <p:par>
+        <p:cTn id="1" dur="indefinite" restart="never" nodeType="tmRoot"/>
+      </p:par>
+    </p:tnLst>
+  </p:timing>
+</p:sld>
+</file>
+
+<file path=ppt/slides/slide5.xml><?xml version="1.0" encoding="utf-8"?>
+<p:sld xmlns:a="http://schemas.openxmlformats.org/drawingml/2006/main" xmlns:r="http://schemas.openxmlformats.org/officeDocument/2006/relationships" xmlns:p="http://schemas.openxmlformats.org/presentationml/2006/main">
+  <p:cSld>
+    <p:spTree>
+      <p:nvGrpSpPr>
+        <p:cNvPr id="1" name=""/>
+        <p:cNvGrpSpPr/>
+        <p:nvPr/>
+      </p:nvGrpSpPr>
+      <p:grpSpPr>
+        <a:xfrm>
+          <a:off x="0" y="0"/>
+          <a:ext cx="0" cy="0"/>
+          <a:chOff x="0" y="0"/>
+          <a:chExt cx="0" cy="0"/>
+        </a:xfrm>
+      </p:grpSpPr>
+      <p:sp>
+        <p:nvSpPr>
+          <p:cNvPr id="2" name="Título 1"/>
+          <p:cNvSpPr>
+            <a:spLocks noGrp="1"/>
+          </p:cNvSpPr>
+          <p:nvPr>
+            <p:ph type="title"/>
+          </p:nvPr>
+        </p:nvSpPr>
+        <p:spPr>
+          <a:xfrm>
+            <a:off x="2592925" y="624110"/>
+            <a:ext cx="8911687" cy="957555"/>
+          </a:xfrm>
+        </p:spPr>
+        <p:txBody>
+          <a:bodyPr/>
+          <a:lstStyle/>
+          <a:p>
+            <a:r>
+              <a:rPr lang="pt-BR" dirty="0" smtClean="0"/>
+              <a:t>Funcionalidade: </a:t>
+            </a:r>
+            <a:r>
+              <a:rPr lang="pt-BR" dirty="0" err="1" smtClean="0"/>
+              <a:t>Pipe</a:t>
+            </a:r>
+            <a:endParaRPr lang="pt-BR" dirty="0"/>
+          </a:p>
+        </p:txBody>
+      </p:sp>
+      <p:sp>
+        <p:nvSpPr>
+          <p:cNvPr id="3" name="Espaço Reservado para Conteúdo 2"/>
+          <p:cNvSpPr>
+            <a:spLocks noGrp="1"/>
+          </p:cNvSpPr>
+          <p:nvPr>
+            <p:ph idx="1"/>
+          </p:nvPr>
+        </p:nvSpPr>
+        <p:spPr>
+          <a:xfrm>
+            <a:off x="2592925" y="1581665"/>
+            <a:ext cx="3037231" cy="3777622"/>
+          </a:xfrm>
+        </p:spPr>
+        <p:txBody>
+          <a:bodyPr/>
+          <a:lstStyle/>
+          <a:p>
+            <a:r>
+              <a:rPr lang="pt-BR" dirty="0" smtClean="0"/>
+              <a:t>Encadeamento de comandos. </a:t>
+            </a:r>
+          </a:p>
+          <a:p>
+            <a:r>
+              <a:rPr lang="pt-BR" dirty="0" err="1" smtClean="0"/>
+              <a:t>Stdout</a:t>
+            </a:r>
+            <a:r>
+              <a:rPr lang="pt-BR" dirty="0" smtClean="0"/>
+              <a:t> torna-se </a:t>
+            </a:r>
+            <a:r>
+              <a:rPr lang="pt-BR" dirty="0" err="1" smtClean="0"/>
+              <a:t>Stdin</a:t>
+            </a:r>
+            <a:r>
+              <a:rPr lang="pt-BR" dirty="0" smtClean="0"/>
+              <a:t> de outro programa.</a:t>
+            </a:r>
+          </a:p>
+          <a:p>
+            <a:r>
+              <a:rPr lang="pt-BR" dirty="0" err="1" smtClean="0"/>
+              <a:t>Stderr</a:t>
+            </a:r>
+            <a:r>
+              <a:rPr lang="pt-BR" dirty="0" smtClean="0"/>
+              <a:t>: recebe um erro do encadeamento. </a:t>
+            </a:r>
+          </a:p>
+        </p:txBody>
+      </p:sp>
+      <p:pic>
+        <p:nvPicPr>
+          <p:cNvPr id="6" name="Imagem 5"/>
+          <p:cNvPicPr>
+            <a:picLocks noChangeAspect="1"/>
+          </p:cNvPicPr>
+          <p:nvPr/>
+        </p:nvPicPr>
+        <p:blipFill>
+          <a:blip r:embed="rId2">
+            <a:extLst>
+              <a:ext uri="{28A0092B-C50C-407E-A947-70E740481C1C}">
+                <a14:useLocalDpi xmlns:a14="http://schemas.microsoft.com/office/drawing/2010/main" val="0"/>
+              </a:ext>
+            </a:extLst>
+          </a:blip>
+          <a:stretch>
+            <a:fillRect/>
+          </a:stretch>
+        </p:blipFill>
+        <p:spPr>
+          <a:xfrm>
+            <a:off x="6820930" y="1581665"/>
+            <a:ext cx="3031524" cy="4258962"/>
+          </a:xfrm>
+          <a:prstGeom prst="rect">
+            <a:avLst/>
+          </a:prstGeom>
+        </p:spPr>
+      </p:pic>
+    </p:spTree>
+    <p:extLst>
+      <p:ext uri="{BB962C8B-B14F-4D97-AF65-F5344CB8AC3E}">
+        <p14:creationId xmlns:p14="http://schemas.microsoft.com/office/powerpoint/2010/main" val="628405130"/>
+      </p:ext>
+    </p:extLst>
+  </p:cSld>
+  <p:clrMapOvr>
+    <a:masterClrMapping/>
+  </p:clrMapOvr>
+  <p:timing>
+    <p:tnLst>
+      <p:par>
+        <p:cTn id="1" dur="indefinite" restart="never" nodeType="tmRoot"/>
+      </p:par>
+    </p:tnLst>
+  </p:timing>
+</p:sld>
+</file>
+
+<file path=ppt/slides/slide6.xml><?xml version="1.0" encoding="utf-8"?>
+<p:sld xmlns:a="http://schemas.openxmlformats.org/drawingml/2006/main" xmlns:r="http://schemas.openxmlformats.org/officeDocument/2006/relationships" xmlns:p="http://schemas.openxmlformats.org/presentationml/2006/main">
+  <p:cSld>
+    <p:spTree>
+      <p:nvGrpSpPr>
+        <p:cNvPr id="1" name=""/>
+        <p:cNvGrpSpPr/>
+        <p:nvPr/>
+      </p:nvGrpSpPr>
+      <p:grpSpPr>
+        <a:xfrm>
+          <a:off x="0" y="0"/>
+          <a:ext cx="0" cy="0"/>
+          <a:chOff x="0" y="0"/>
+          <a:chExt cx="0" cy="0"/>
+        </a:xfrm>
+      </p:grpSpPr>
+      <p:sp>
+        <p:nvSpPr>
+          <p:cNvPr id="2" name="Título 1"/>
+          <p:cNvSpPr>
+            <a:spLocks noGrp="1"/>
+          </p:cNvSpPr>
+          <p:nvPr>
+            <p:ph type="title"/>
+          </p:nvPr>
+        </p:nvSpPr>
+        <p:spPr/>
+        <p:txBody>
+          <a:bodyPr/>
+          <a:lstStyle/>
+          <a:p>
+            <a:r>
+              <a:rPr lang="pt-BR" dirty="0" smtClean="0"/>
+              <a:t>Funcionalidade: </a:t>
+            </a:r>
+            <a:r>
+              <a:rPr lang="pt-BR" dirty="0" err="1" smtClean="0"/>
+              <a:t>Pipe</a:t>
+            </a:r>
+            <a:r>
+              <a:rPr lang="pt-BR" dirty="0"/>
+              <a:t> </a:t>
+            </a:r>
+            <a:r>
+              <a:rPr lang="pt-BR" b="1" dirty="0" smtClean="0"/>
+              <a:t>- Shell Script</a:t>
+            </a:r>
+            <a:endParaRPr lang="pt-BR" b="1" dirty="0"/>
+          </a:p>
+        </p:txBody>
+      </p:sp>
+      <p:sp>
+        <p:nvSpPr>
+          <p:cNvPr id="3" name="Espaço Reservado para Conteúdo 2"/>
+          <p:cNvSpPr>
+            <a:spLocks noGrp="1"/>
+          </p:cNvSpPr>
+          <p:nvPr>
+            <p:ph idx="1"/>
+          </p:nvPr>
+        </p:nvSpPr>
+        <p:spPr/>
+        <p:txBody>
+          <a:bodyPr/>
+          <a:lstStyle/>
+          <a:p>
+            <a:endParaRPr lang="pt-BR"/>
+          </a:p>
+        </p:txBody>
+      </p:sp>
+    </p:spTree>
+    <p:extLst>
+      <p:ext uri="{BB962C8B-B14F-4D97-AF65-F5344CB8AC3E}">
+        <p14:creationId xmlns:p14="http://schemas.microsoft.com/office/powerpoint/2010/main" val="2362240804"/>
+      </p:ext>
+    </p:extLst>
+  </p:cSld>
+  <p:clrMapOvr>
+    <a:masterClrMapping/>
+  </p:clrMapOvr>
+  <p:timing>
+    <p:tnLst>
+      <p:par>
+        <p:cTn id="1" dur="indefinite" restart="never" nodeType="tmRoot"/>
+      </p:par>
+    </p:tnLst>
+  </p:timing>
+</p:sld>
+</file>
+
+<file path=ppt/slides/slide7.xml><?xml version="1.0" encoding="utf-8"?>
+<p:sld xmlns:a="http://schemas.openxmlformats.org/drawingml/2006/main" xmlns:r="http://schemas.openxmlformats.org/officeDocument/2006/relationships" xmlns:p="http://schemas.openxmlformats.org/presentationml/2006/main">
+  <p:cSld>
+    <p:spTree>
+      <p:nvGrpSpPr>
+        <p:cNvPr id="1" name=""/>
+        <p:cNvGrpSpPr/>
+        <p:nvPr/>
+      </p:nvGrpSpPr>
+      <p:grpSpPr>
+        <a:xfrm>
+          <a:off x="0" y="0"/>
+          <a:ext cx="0" cy="0"/>
+          <a:chOff x="0" y="0"/>
+          <a:chExt cx="0" cy="0"/>
+        </a:xfrm>
+      </p:grpSpPr>
+      <p:sp>
+        <p:nvSpPr>
+          <p:cNvPr id="2" name="Título 1"/>
+          <p:cNvSpPr>
+            <a:spLocks noGrp="1"/>
+          </p:cNvSpPr>
+          <p:nvPr>
+            <p:ph type="title"/>
+          </p:nvPr>
+        </p:nvSpPr>
+        <p:spPr>
+          <a:xfrm>
+            <a:off x="2592925" y="624110"/>
+            <a:ext cx="7679659" cy="776322"/>
+          </a:xfrm>
+        </p:spPr>
+        <p:txBody>
+          <a:bodyPr/>
+          <a:lstStyle/>
+          <a:p>
+            <a:r>
+              <a:rPr lang="pt-BR" dirty="0"/>
+              <a:t>Funcionalidade: </a:t>
+            </a:r>
+            <a:r>
+              <a:rPr lang="pt-BR" dirty="0" err="1" smtClean="0"/>
+              <a:t>Pipe</a:t>
+            </a:r>
+            <a:r>
+              <a:rPr lang="pt-BR" dirty="0" smtClean="0"/>
+              <a:t> </a:t>
+            </a:r>
+            <a:r>
+              <a:rPr lang="pt-BR" b="1" dirty="0" smtClean="0"/>
+              <a:t>em Python</a:t>
+            </a:r>
+            <a:endParaRPr lang="pt-BR" b="1" dirty="0"/>
+          </a:p>
+        </p:txBody>
+      </p:sp>
+      <p:sp>
+        <p:nvSpPr>
+          <p:cNvPr id="3" name="Espaço Reservado para Conteúdo 2"/>
+          <p:cNvSpPr>
+            <a:spLocks noGrp="1"/>
+          </p:cNvSpPr>
+          <p:nvPr>
+            <p:ph idx="1"/>
+          </p:nvPr>
+        </p:nvSpPr>
+        <p:spPr/>
+        <p:txBody>
+          <a:bodyPr/>
+          <a:lstStyle/>
+          <a:p>
+            <a:endParaRPr lang="pt-BR" dirty="0"/>
+          </a:p>
+        </p:txBody>
+      </p:sp>
+    </p:spTree>
+    <p:extLst>
+      <p:ext uri="{BB962C8B-B14F-4D97-AF65-F5344CB8AC3E}">
+        <p14:creationId xmlns:p14="http://schemas.microsoft.com/office/powerpoint/2010/main" val="2328608240"/>
+      </p:ext>
+    </p:extLst>
+  </p:cSld>
+  <p:clrMapOvr>
+    <a:masterClrMapping/>
+  </p:clrMapOvr>
+  <p:timing>
+    <p:tnLst>
+      <p:par>
+        <p:cTn id="1" dur="indefinite" restart="never" nodeType="tmRoot"/>
+      </p:par>
+    </p:tnLst>
+  </p:timing>
+</p:sld>
+</file>
+
+<file path=ppt/slides/slide8.xml><?xml version="1.0" encoding="utf-8"?>
+<p:sld xmlns:a="http://schemas.openxmlformats.org/drawingml/2006/main" xmlns:r="http://schemas.openxmlformats.org/officeDocument/2006/relationships" xmlns:p="http://schemas.openxmlformats.org/presentationml/2006/main">
+  <p:cSld>
+    <p:spTree>
+      <p:nvGrpSpPr>
+        <p:cNvPr id="1" name=""/>
+        <p:cNvGrpSpPr/>
+        <p:nvPr/>
+      </p:nvGrpSpPr>
+      <p:grpSpPr>
+        <a:xfrm>
+          <a:off x="0" y="0"/>
+          <a:ext cx="0" cy="0"/>
+          <a:chOff x="0" y="0"/>
+          <a:chExt cx="0" cy="0"/>
+        </a:xfrm>
+      </p:grpSpPr>
+      <p:sp>
+        <p:nvSpPr>
+          <p:cNvPr id="2" name="Título 1"/>
+          <p:cNvSpPr>
+            <a:spLocks noGrp="1"/>
+          </p:cNvSpPr>
+          <p:nvPr>
+            <p:ph type="title"/>
+          </p:nvPr>
+        </p:nvSpPr>
+        <p:spPr>
+          <a:xfrm>
+            <a:off x="2592926" y="624110"/>
+            <a:ext cx="7210102" cy="768085"/>
+          </a:xfrm>
+        </p:spPr>
+        <p:txBody>
+          <a:bodyPr/>
+          <a:lstStyle/>
+          <a:p>
+            <a:r>
+              <a:rPr lang="pt-BR" dirty="0"/>
+              <a:t>Funcionalidade: </a:t>
+            </a:r>
+            <a:r>
+              <a:rPr lang="pt-BR" dirty="0" err="1"/>
+              <a:t>Pipe</a:t>
+            </a:r>
+            <a:r>
+              <a:rPr lang="pt-BR" dirty="0"/>
+              <a:t> </a:t>
+            </a:r>
+            <a:r>
+              <a:rPr lang="pt-BR" b="1" dirty="0"/>
+              <a:t>em </a:t>
+            </a:r>
+            <a:r>
+              <a:rPr lang="pt-BR" b="1" dirty="0" smtClean="0"/>
+              <a:t>Java</a:t>
+            </a:r>
+            <a:endParaRPr lang="pt-BR" dirty="0"/>
+          </a:p>
+        </p:txBody>
+      </p:sp>
+      <p:pic>
+        <p:nvPicPr>
+          <p:cNvPr id="6" name="Imagem 5"/>
+          <p:cNvPicPr>
+            <a:picLocks noChangeAspect="1"/>
+          </p:cNvPicPr>
+          <p:nvPr/>
+        </p:nvPicPr>
+        <p:blipFill>
+          <a:blip r:embed="rId2"/>
+          <a:stretch>
+            <a:fillRect/>
+          </a:stretch>
+        </p:blipFill>
+        <p:spPr>
+          <a:xfrm>
+            <a:off x="1371555" y="1190746"/>
+            <a:ext cx="9652844" cy="5490140"/>
+          </a:xfrm>
+          <a:prstGeom prst="rect">
+            <a:avLst/>
+          </a:prstGeom>
+        </p:spPr>
+      </p:pic>
+    </p:spTree>
+    <p:extLst>
+      <p:ext uri="{BB962C8B-B14F-4D97-AF65-F5344CB8AC3E}">
+        <p14:creationId xmlns:p14="http://schemas.microsoft.com/office/powerpoint/2010/main" val="2024936943"/>
+      </p:ext>
+    </p:extLst>
+  </p:cSld>
+  <p:clrMapOvr>
+    <a:masterClrMapping/>
+  </p:clrMapOvr>
+  <p:timing>
+    <p:tnLst>
+      <p:par>
+        <p:cTn id="1" dur="indefinite" restart="never" nodeType="tmRoot"/>
+      </p:par>
+    </p:tnLst>
+  </p:timing>
+</p:sld>
+</file>
+
+<file path=ppt/slides/slide9.xml><?xml version="1.0" encoding="utf-8"?>
+<p:sld xmlns:a="http://schemas.openxmlformats.org/drawingml/2006/main" xmlns:r="http://schemas.openxmlformats.org/officeDocument/2006/relationships" xmlns:p="http://schemas.openxmlformats.org/presentationml/2006/main">
+  <p:cSld>
+    <p:spTree>
+      <p:nvGrpSpPr>
+        <p:cNvPr id="1" name=""/>
+        <p:cNvGrpSpPr/>
+        <p:nvPr/>
+      </p:nvGrpSpPr>
+      <p:grpSpPr>
+        <a:xfrm>
+          <a:off x="0" y="0"/>
+          <a:ext cx="0" cy="0"/>
+          <a:chOff x="0" y="0"/>
+          <a:chExt cx="0" cy="0"/>
+        </a:xfrm>
+      </p:grpSpPr>
+      <p:sp>
+        <p:nvSpPr>
+          <p:cNvPr id="2" name="Título 1"/>
+          <p:cNvSpPr>
+            <a:spLocks noGrp="1"/>
+          </p:cNvSpPr>
+          <p:nvPr>
+            <p:ph type="title"/>
+          </p:nvPr>
+        </p:nvSpPr>
+        <p:spPr>
+          <a:xfrm>
+            <a:off x="4530490" y="1330760"/>
+            <a:ext cx="3600255" cy="817512"/>
+          </a:xfrm>
+        </p:spPr>
+        <p:txBody>
+          <a:bodyPr>
+            <a:noAutofit/>
+          </a:bodyPr>
+          <a:lstStyle/>
+          <a:p>
+            <a:r>
+              <a:rPr lang="pt-BR" sz="4800" b="1" dirty="0" smtClean="0"/>
+              <a:t>Obrigado!!</a:t>
+            </a:r>
+            <a:endParaRPr lang="pt-BR" sz="4800" b="1" dirty="0"/>
+          </a:p>
+        </p:txBody>
+      </p:sp>
+      <p:pic>
+        <p:nvPicPr>
+          <p:cNvPr id="6" name="Imagem 5"/>
+          <p:cNvPicPr>
+            <a:picLocks noChangeAspect="1"/>
+          </p:cNvPicPr>
+          <p:nvPr/>
+        </p:nvPicPr>
+        <p:blipFill>
+          <a:blip r:embed="rId2"/>
+          <a:stretch>
+            <a:fillRect/>
+          </a:stretch>
+        </p:blipFill>
+        <p:spPr>
+          <a:xfrm>
+            <a:off x="3007324" y="2442901"/>
+            <a:ext cx="1817474" cy="1609725"/>
+          </a:xfrm>
+          <a:prstGeom prst="rect">
+            <a:avLst/>
+          </a:prstGeom>
+        </p:spPr>
+      </p:pic>
+      <p:pic>
+        <p:nvPicPr>
+          <p:cNvPr id="7" name="Imagem 6"/>
+          <p:cNvPicPr>
+            <a:picLocks noChangeAspect="1"/>
+          </p:cNvPicPr>
+          <p:nvPr/>
+        </p:nvPicPr>
+        <p:blipFill>
+          <a:blip r:embed="rId3"/>
+          <a:stretch>
+            <a:fillRect/>
+          </a:stretch>
+        </p:blipFill>
+        <p:spPr>
+          <a:xfrm>
+            <a:off x="5300018" y="2442902"/>
+            <a:ext cx="1565190" cy="1609725"/>
+          </a:xfrm>
+          <a:prstGeom prst="rect">
+            <a:avLst/>
+          </a:prstGeom>
+        </p:spPr>
+      </p:pic>
+      <p:pic>
+        <p:nvPicPr>
+          <p:cNvPr id="8" name="Imagem 7"/>
+          <p:cNvPicPr>
+            <a:picLocks noChangeAspect="1"/>
+          </p:cNvPicPr>
+          <p:nvPr/>
+        </p:nvPicPr>
+        <p:blipFill>
+          <a:blip r:embed="rId4"/>
+          <a:stretch>
+            <a:fillRect/>
+          </a:stretch>
+        </p:blipFill>
+        <p:spPr>
+          <a:xfrm>
+            <a:off x="7326655" y="2442901"/>
+            <a:ext cx="1608180" cy="1609725"/>
+          </a:xfrm>
+          <a:prstGeom prst="rect">
+            <a:avLst/>
+          </a:prstGeom>
+        </p:spPr>
+      </p:pic>
+      <p:pic>
+        <p:nvPicPr>
+          <p:cNvPr id="10" name="Imagem 9"/>
+          <p:cNvPicPr>
+            <a:picLocks noChangeAspect="1"/>
+          </p:cNvPicPr>
+          <p:nvPr/>
+        </p:nvPicPr>
+        <p:blipFill>
+          <a:blip r:embed="rId5"/>
+          <a:stretch>
+            <a:fillRect/>
+          </a:stretch>
+        </p:blipFill>
+        <p:spPr>
+          <a:xfrm>
+            <a:off x="3259608" y="4347255"/>
+            <a:ext cx="1565190" cy="1571625"/>
+          </a:xfrm>
+          <a:prstGeom prst="rect">
+            <a:avLst/>
+          </a:prstGeom>
+        </p:spPr>
+      </p:pic>
+      <p:pic>
+        <p:nvPicPr>
+          <p:cNvPr id="11" name="Imagem 10"/>
+          <p:cNvPicPr>
+            <a:picLocks noChangeAspect="1"/>
+          </p:cNvPicPr>
+          <p:nvPr/>
+        </p:nvPicPr>
+        <p:blipFill>
+          <a:blip r:embed="rId6"/>
+          <a:stretch>
+            <a:fillRect/>
+          </a:stretch>
+        </p:blipFill>
+        <p:spPr>
+          <a:xfrm>
+            <a:off x="5300018" y="4347254"/>
+            <a:ext cx="1565190" cy="1571625"/>
+          </a:xfrm>
+          <a:prstGeom prst="rect">
+            <a:avLst/>
+          </a:prstGeom>
+        </p:spPr>
+      </p:pic>
+      <p:sp>
+        <p:nvSpPr>
+          <p:cNvPr id="3" name="CaixaDeTexto 2"/>
+          <p:cNvSpPr txBox="1"/>
+          <p:nvPr/>
+        </p:nvSpPr>
+        <p:spPr>
+          <a:xfrm>
+            <a:off x="7479956" y="5231920"/>
+            <a:ext cx="1608180" cy="369332"/>
+          </a:xfrm>
+          <a:prstGeom prst="rect">
+            <a:avLst/>
+          </a:prstGeom>
+          <a:noFill/>
+        </p:spPr>
+        <p:txBody>
+          <a:bodyPr wrap="square" rtlCol="0">
+            <a:spAutoFit/>
+          </a:bodyPr>
+          <a:lstStyle/>
+          <a:p>
+            <a:r>
+              <a:rPr lang="pt-BR" dirty="0" smtClean="0"/>
+              <a:t>...</a:t>
+            </a:r>
+            <a:endParaRPr lang="pt-BR" dirty="0"/>
+          </a:p>
+        </p:txBody>
+      </p:sp>
+    </p:spTree>
+    <p:extLst>
+      <p:ext uri="{BB962C8B-B14F-4D97-AF65-F5344CB8AC3E}">
+        <p14:creationId xmlns:p14="http://schemas.microsoft.com/office/powerpoint/2010/main" val="625985766"/>
+      </p:ext>
+    </p:extLst>
+  </p:cSld>
+  <p:clrMapOvr>
+    <a:masterClrMapping/>
+  </p:clrMapOvr>
+  <p:timing>
+    <p:tnLst>
+      <p:par>
+        <p:cTn id="1" dur="indefinite" restart="never" nodeType="tmRoot"/>
+      </p:par>
+    </p:tnLst>
+  </p:timing>
 </p:sld>
 </file>
 

--- a/Tarefa-02/Apresentacao_EDL.pptx
+++ b/Tarefa-02/Apresentacao_EDL.pptx
@@ -8416,25 +8416,32 @@
           </a:p>
         </p:txBody>
       </p:sp>
-      <p:sp>
-        <p:nvSpPr>
-          <p:cNvPr id="3" name="Espaço Reservado para Conteúdo 2"/>
-          <p:cNvSpPr>
-            <a:spLocks noGrp="1"/>
-          </p:cNvSpPr>
+      <p:pic>
+        <p:nvPicPr>
+          <p:cNvPr id="7" name="Espaço Reservado para Conteúdo 6"/>
+          <p:cNvPicPr>
+            <a:picLocks noGrp="1" noChangeAspect="1"/>
+          </p:cNvPicPr>
           <p:nvPr>
             <p:ph idx="1"/>
           </p:nvPr>
-        </p:nvSpPr>
-        <p:spPr/>
-        <p:txBody>
-          <a:bodyPr/>
-          <a:lstStyle/>
-          <a:p>
-            <a:endParaRPr lang="pt-BR" dirty="0"/>
-          </a:p>
-        </p:txBody>
-      </p:sp>
+        </p:nvPicPr>
+        <p:blipFill>
+          <a:blip r:embed="rId2"/>
+          <a:stretch>
+            <a:fillRect/>
+          </a:stretch>
+        </p:blipFill>
+        <p:spPr>
+          <a:xfrm>
+            <a:off x="2147371" y="1278065"/>
+            <a:ext cx="8570766" cy="5336919"/>
+          </a:xfrm>
+          <a:prstGeom prst="rect">
+            <a:avLst/>
+          </a:prstGeom>
+        </p:spPr>
+      </p:pic>
     </p:spTree>
     <p:extLst>
       <p:ext uri="{BB962C8B-B14F-4D97-AF65-F5344CB8AC3E}">
@@ -8589,7 +8596,7 @@
         </p:nvSpPr>
         <p:spPr>
           <a:xfrm>
-            <a:off x="4530490" y="1330760"/>
+            <a:off x="4579917" y="2986565"/>
             <a:ext cx="3600255" cy="817512"/>
           </a:xfrm>
         </p:spPr>
@@ -8601,159 +8608,13 @@
           <a:p>
             <a:r>
               <a:rPr lang="pt-BR" sz="4800" b="1" dirty="0" smtClean="0"/>
-              <a:t>Obrigado!!</a:t>
+              <a:t>Obrigado</a:t>
+            </a:r>
+            <a:r>
+              <a:rPr lang="pt-BR" sz="4800" b="1" dirty="0" smtClean="0"/>
+              <a:t>!</a:t>
             </a:r>
             <a:endParaRPr lang="pt-BR" sz="4800" b="1" dirty="0"/>
-          </a:p>
-        </p:txBody>
-      </p:sp>
-      <p:pic>
-        <p:nvPicPr>
-          <p:cNvPr id="6" name="Imagem 5"/>
-          <p:cNvPicPr>
-            <a:picLocks noChangeAspect="1"/>
-          </p:cNvPicPr>
-          <p:nvPr/>
-        </p:nvPicPr>
-        <p:blipFill>
-          <a:blip r:embed="rId2"/>
-          <a:stretch>
-            <a:fillRect/>
-          </a:stretch>
-        </p:blipFill>
-        <p:spPr>
-          <a:xfrm>
-            <a:off x="3007324" y="2442901"/>
-            <a:ext cx="1817474" cy="1609725"/>
-          </a:xfrm>
-          <a:prstGeom prst="rect">
-            <a:avLst/>
-          </a:prstGeom>
-        </p:spPr>
-      </p:pic>
-      <p:pic>
-        <p:nvPicPr>
-          <p:cNvPr id="7" name="Imagem 6"/>
-          <p:cNvPicPr>
-            <a:picLocks noChangeAspect="1"/>
-          </p:cNvPicPr>
-          <p:nvPr/>
-        </p:nvPicPr>
-        <p:blipFill>
-          <a:blip r:embed="rId3"/>
-          <a:stretch>
-            <a:fillRect/>
-          </a:stretch>
-        </p:blipFill>
-        <p:spPr>
-          <a:xfrm>
-            <a:off x="5300018" y="2442902"/>
-            <a:ext cx="1565190" cy="1609725"/>
-          </a:xfrm>
-          <a:prstGeom prst="rect">
-            <a:avLst/>
-          </a:prstGeom>
-        </p:spPr>
-      </p:pic>
-      <p:pic>
-        <p:nvPicPr>
-          <p:cNvPr id="8" name="Imagem 7"/>
-          <p:cNvPicPr>
-            <a:picLocks noChangeAspect="1"/>
-          </p:cNvPicPr>
-          <p:nvPr/>
-        </p:nvPicPr>
-        <p:blipFill>
-          <a:blip r:embed="rId4"/>
-          <a:stretch>
-            <a:fillRect/>
-          </a:stretch>
-        </p:blipFill>
-        <p:spPr>
-          <a:xfrm>
-            <a:off x="7326655" y="2442901"/>
-            <a:ext cx="1608180" cy="1609725"/>
-          </a:xfrm>
-          <a:prstGeom prst="rect">
-            <a:avLst/>
-          </a:prstGeom>
-        </p:spPr>
-      </p:pic>
-      <p:pic>
-        <p:nvPicPr>
-          <p:cNvPr id="10" name="Imagem 9"/>
-          <p:cNvPicPr>
-            <a:picLocks noChangeAspect="1"/>
-          </p:cNvPicPr>
-          <p:nvPr/>
-        </p:nvPicPr>
-        <p:blipFill>
-          <a:blip r:embed="rId5"/>
-          <a:stretch>
-            <a:fillRect/>
-          </a:stretch>
-        </p:blipFill>
-        <p:spPr>
-          <a:xfrm>
-            <a:off x="3259608" y="4347255"/>
-            <a:ext cx="1565190" cy="1571625"/>
-          </a:xfrm>
-          <a:prstGeom prst="rect">
-            <a:avLst/>
-          </a:prstGeom>
-        </p:spPr>
-      </p:pic>
-      <p:pic>
-        <p:nvPicPr>
-          <p:cNvPr id="11" name="Imagem 10"/>
-          <p:cNvPicPr>
-            <a:picLocks noChangeAspect="1"/>
-          </p:cNvPicPr>
-          <p:nvPr/>
-        </p:nvPicPr>
-        <p:blipFill>
-          <a:blip r:embed="rId6"/>
-          <a:stretch>
-            <a:fillRect/>
-          </a:stretch>
-        </p:blipFill>
-        <p:spPr>
-          <a:xfrm>
-            <a:off x="5300018" y="4347254"/>
-            <a:ext cx="1565190" cy="1571625"/>
-          </a:xfrm>
-          <a:prstGeom prst="rect">
-            <a:avLst/>
-          </a:prstGeom>
-        </p:spPr>
-      </p:pic>
-      <p:sp>
-        <p:nvSpPr>
-          <p:cNvPr id="3" name="CaixaDeTexto 2"/>
-          <p:cNvSpPr txBox="1"/>
-          <p:nvPr/>
-        </p:nvSpPr>
-        <p:spPr>
-          <a:xfrm>
-            <a:off x="7479956" y="5231920"/>
-            <a:ext cx="1608180" cy="369332"/>
-          </a:xfrm>
-          <a:prstGeom prst="rect">
-            <a:avLst/>
-          </a:prstGeom>
-          <a:noFill/>
-        </p:spPr>
-        <p:txBody>
-          <a:bodyPr wrap="square" rtlCol="0">
-            <a:spAutoFit/>
-          </a:bodyPr>
-          <a:lstStyle/>
-          <a:p>
-            <a:r>
-              <a:rPr lang="pt-BR" dirty="0" smtClean="0"/>
-              <a:t>...</a:t>
-            </a:r>
-            <a:endParaRPr lang="pt-BR" dirty="0"/>
           </a:p>
         </p:txBody>
       </p:sp>

--- a/Tarefa-02/Apresentacao_EDL.pptx
+++ b/Tarefa-02/Apresentacao_EDL.pptx
@@ -13,7 +13,8 @@
     <p:sldId id="264" r:id="rId7"/>
     <p:sldId id="262" r:id="rId8"/>
     <p:sldId id="263" r:id="rId9"/>
-    <p:sldId id="261" r:id="rId10"/>
+    <p:sldId id="265" r:id="rId10"/>
+    <p:sldId id="261" r:id="rId11"/>
   </p:sldIdLst>
   <p:sldSz cx="12192000" cy="6858000"/>
   <p:notesSz cx="6858000" cy="9144000"/>
@@ -309,7 +310,7 @@
             <a:fld id="{B61BEF0D-F0BB-DE4B-95CE-6DB70DBA9567}" type="datetimeFigureOut">
               <a:rPr lang="en-US" dirty="0"/>
               <a:pPr/>
-              <a:t>9/15/2019</a:t>
+              <a:t>9/17/2019</a:t>
             </a:fld>
             <a:endParaRPr lang="en-US" dirty="0"/>
           </a:p>
@@ -644,7 +645,7 @@
             <a:fld id="{B61BEF0D-F0BB-DE4B-95CE-6DB70DBA9567}" type="datetimeFigureOut">
               <a:rPr lang="en-US" dirty="0"/>
               <a:pPr/>
-              <a:t>9/15/2019</a:t>
+              <a:t>9/17/2019</a:t>
             </a:fld>
             <a:endParaRPr lang="en-US" dirty="0"/>
           </a:p>
@@ -1042,7 +1043,7 @@
             <a:fld id="{B61BEF0D-F0BB-DE4B-95CE-6DB70DBA9567}" type="datetimeFigureOut">
               <a:rPr lang="en-US" dirty="0"/>
               <a:pPr/>
-              <a:t>9/15/2019</a:t>
+              <a:t>9/17/2019</a:t>
             </a:fld>
             <a:endParaRPr lang="en-US" dirty="0"/>
           </a:p>
@@ -1375,7 +1376,7 @@
             <a:fld id="{B61BEF0D-F0BB-DE4B-95CE-6DB70DBA9567}" type="datetimeFigureOut">
               <a:rPr lang="en-US" dirty="0"/>
               <a:pPr/>
-              <a:t>9/15/2019</a:t>
+              <a:t>9/17/2019</a:t>
             </a:fld>
             <a:endParaRPr lang="en-US" dirty="0"/>
           </a:p>
@@ -1692,7 +1693,7 @@
             <a:fld id="{B61BEF0D-F0BB-DE4B-95CE-6DB70DBA9567}" type="datetimeFigureOut">
               <a:rPr lang="en-US" dirty="0"/>
               <a:pPr/>
-              <a:t>9/15/2019</a:t>
+              <a:t>9/17/2019</a:t>
             </a:fld>
             <a:endParaRPr lang="en-US" dirty="0"/>
           </a:p>
@@ -2085,7 +2086,7 @@
             <a:fld id="{B61BEF0D-F0BB-DE4B-95CE-6DB70DBA9567}" type="datetimeFigureOut">
               <a:rPr lang="en-US" dirty="0"/>
               <a:pPr/>
-              <a:t>9/15/2019</a:t>
+              <a:t>9/17/2019</a:t>
             </a:fld>
             <a:endParaRPr lang="en-US" dirty="0"/>
           </a:p>
@@ -2339,7 +2340,7 @@
             <a:fld id="{B61BEF0D-F0BB-DE4B-95CE-6DB70DBA9567}" type="datetimeFigureOut">
               <a:rPr lang="en-US" dirty="0"/>
               <a:pPr/>
-              <a:t>9/15/2019</a:t>
+              <a:t>9/17/2019</a:t>
             </a:fld>
             <a:endParaRPr lang="en-US" dirty="0"/>
           </a:p>
@@ -2598,7 +2599,7 @@
             <a:fld id="{B61BEF0D-F0BB-DE4B-95CE-6DB70DBA9567}" type="datetimeFigureOut">
               <a:rPr lang="en-US" dirty="0"/>
               <a:pPr/>
-              <a:t>9/15/2019</a:t>
+              <a:t>9/17/2019</a:t>
             </a:fld>
             <a:endParaRPr lang="en-US" dirty="0"/>
           </a:p>
@@ -2857,7 +2858,7 @@
             <a:fld id="{B61BEF0D-F0BB-DE4B-95CE-6DB70DBA9567}" type="datetimeFigureOut">
               <a:rPr lang="en-US" dirty="0"/>
               <a:pPr/>
-              <a:t>9/15/2019</a:t>
+              <a:t>9/17/2019</a:t>
             </a:fld>
             <a:endParaRPr lang="en-US" dirty="0"/>
           </a:p>
@@ -3183,7 +3184,7 @@
             <a:fld id="{B61BEF0D-F0BB-DE4B-95CE-6DB70DBA9567}" type="datetimeFigureOut">
               <a:rPr lang="en-US" dirty="0"/>
               <a:pPr/>
-              <a:t>9/15/2019</a:t>
+              <a:t>9/17/2019</a:t>
             </a:fld>
             <a:endParaRPr lang="en-US" dirty="0"/>
           </a:p>
@@ -3503,7 +3504,7 @@
             <a:fld id="{B61BEF0D-F0BB-DE4B-95CE-6DB70DBA9567}" type="datetimeFigureOut">
               <a:rPr lang="en-US" dirty="0"/>
               <a:pPr/>
-              <a:t>9/15/2019</a:t>
+              <a:t>9/17/2019</a:t>
             </a:fld>
             <a:endParaRPr lang="en-US" dirty="0"/>
           </a:p>
@@ -3957,7 +3958,7 @@
             <a:fld id="{B61BEF0D-F0BB-DE4B-95CE-6DB70DBA9567}" type="datetimeFigureOut">
               <a:rPr lang="en-US" dirty="0"/>
               <a:pPr/>
-              <a:t>9/15/2019</a:t>
+              <a:t>9/17/2019</a:t>
             </a:fld>
             <a:endParaRPr lang="en-US" dirty="0"/>
           </a:p>
@@ -4159,7 +4160,7 @@
             <a:fld id="{B61BEF0D-F0BB-DE4B-95CE-6DB70DBA9567}" type="datetimeFigureOut">
               <a:rPr lang="en-US" dirty="0"/>
               <a:pPr/>
-              <a:t>9/15/2019</a:t>
+              <a:t>9/17/2019</a:t>
             </a:fld>
             <a:endParaRPr lang="en-US" dirty="0"/>
           </a:p>
@@ -4333,7 +4334,7 @@
             <a:fld id="{B61BEF0D-F0BB-DE4B-95CE-6DB70DBA9567}" type="datetimeFigureOut">
               <a:rPr lang="en-US" dirty="0"/>
               <a:pPr/>
-              <a:t>9/15/2019</a:t>
+              <a:t>9/17/2019</a:t>
             </a:fld>
             <a:endParaRPr lang="en-US" dirty="0"/>
           </a:p>
@@ -4663,7 +4664,7 @@
             <a:fld id="{B61BEF0D-F0BB-DE4B-95CE-6DB70DBA9567}" type="datetimeFigureOut">
               <a:rPr lang="en-US" dirty="0"/>
               <a:pPr/>
-              <a:t>9/15/2019</a:t>
+              <a:t>9/17/2019</a:t>
             </a:fld>
             <a:endParaRPr lang="en-US" dirty="0"/>
           </a:p>
@@ -5005,7 +5006,7 @@
             <a:fld id="{B61BEF0D-F0BB-DE4B-95CE-6DB70DBA9567}" type="datetimeFigureOut">
               <a:rPr lang="en-US" dirty="0"/>
               <a:pPr/>
-              <a:t>9/15/2019</a:t>
+              <a:t>9/17/2019</a:t>
             </a:fld>
             <a:endParaRPr lang="en-US" dirty="0"/>
           </a:p>
@@ -7119,7 +7120,7 @@
             <a:fld id="{B61BEF0D-F0BB-DE4B-95CE-6DB70DBA9567}" type="datetimeFigureOut">
               <a:rPr lang="en-US" dirty="0"/>
               <a:pPr/>
-              <a:t>9/15/2019</a:t>
+              <a:t>9/17/2019</a:t>
             </a:fld>
             <a:endParaRPr lang="en-US" dirty="0"/>
           </a:p>
@@ -7727,6 +7728,73 @@
 </p:sld>
 </file>
 
+<file path=ppt/slides/slide10.xml><?xml version="1.0" encoding="utf-8"?>
+<p:sld xmlns:a="http://schemas.openxmlformats.org/drawingml/2006/main" xmlns:r="http://schemas.openxmlformats.org/officeDocument/2006/relationships" xmlns:p="http://schemas.openxmlformats.org/presentationml/2006/main">
+  <p:cSld>
+    <p:spTree>
+      <p:nvGrpSpPr>
+        <p:cNvPr id="1" name=""/>
+        <p:cNvGrpSpPr/>
+        <p:nvPr/>
+      </p:nvGrpSpPr>
+      <p:grpSpPr>
+        <a:xfrm>
+          <a:off x="0" y="0"/>
+          <a:ext cx="0" cy="0"/>
+          <a:chOff x="0" y="0"/>
+          <a:chExt cx="0" cy="0"/>
+        </a:xfrm>
+      </p:grpSpPr>
+      <p:sp>
+        <p:nvSpPr>
+          <p:cNvPr id="2" name="Título 1"/>
+          <p:cNvSpPr>
+            <a:spLocks noGrp="1"/>
+          </p:cNvSpPr>
+          <p:nvPr>
+            <p:ph type="title"/>
+          </p:nvPr>
+        </p:nvSpPr>
+        <p:spPr>
+          <a:xfrm>
+            <a:off x="4579917" y="2986565"/>
+            <a:ext cx="3600255" cy="817512"/>
+          </a:xfrm>
+        </p:spPr>
+        <p:txBody>
+          <a:bodyPr>
+            <a:noAutofit/>
+          </a:bodyPr>
+          <a:lstStyle/>
+          <a:p>
+            <a:r>
+              <a:rPr lang="pt-BR" sz="4800" b="1" dirty="0" smtClean="0"/>
+              <a:t>Obrigado!</a:t>
+            </a:r>
+            <a:endParaRPr lang="pt-BR" sz="4800" b="1" dirty="0"/>
+          </a:p>
+        </p:txBody>
+      </p:sp>
+    </p:spTree>
+    <p:extLst>
+      <p:ext uri="{BB962C8B-B14F-4D97-AF65-F5344CB8AC3E}">
+        <p14:creationId xmlns:p14="http://schemas.microsoft.com/office/powerpoint/2010/main" val="625985766"/>
+      </p:ext>
+    </p:extLst>
+  </p:cSld>
+  <p:clrMapOvr>
+    <a:masterClrMapping/>
+  </p:clrMapOvr>
+  <p:timing>
+    <p:tnLst>
+      <p:par>
+        <p:cTn id="1" dur="indefinite" restart="never" nodeType="tmRoot"/>
+      </p:par>
+    </p:tnLst>
+  </p:timing>
+</p:sld>
+</file>
+
 <file path=ppt/slides/slide2.xml><?xml version="1.0" encoding="utf-8"?>
 <p:sld xmlns:a="http://schemas.openxmlformats.org/drawingml/2006/main" xmlns:r="http://schemas.openxmlformats.org/officeDocument/2006/relationships" xmlns:p="http://schemas.openxmlformats.org/presentationml/2006/main">
   <p:cSld>
@@ -7808,7 +7876,7 @@
           <a:p>
             <a:r>
               <a:rPr lang="pt-BR" dirty="0" smtClean="0"/>
-              <a:t>Análise de Comparativa </a:t>
+              <a:t>Expressividade/Análise de Comparativa </a:t>
             </a:r>
             <a:endParaRPr lang="pt-BR" dirty="0"/>
           </a:p>
@@ -8094,6 +8162,66 @@
           </a:prstGeom>
         </p:spPr>
       </p:pic>
+      <p:pic>
+        <p:nvPicPr>
+          <p:cNvPr id="7" name="Imagem 6"/>
+          <p:cNvPicPr>
+            <a:picLocks noChangeAspect="1"/>
+          </p:cNvPicPr>
+          <p:nvPr/>
+        </p:nvPicPr>
+        <p:blipFill>
+          <a:blip r:embed="rId3">
+            <a:extLst>
+              <a:ext uri="{28A0092B-C50C-407E-A947-70E740481C1C}">
+                <a14:useLocalDpi xmlns:a14="http://schemas.microsoft.com/office/drawing/2010/main" val="0"/>
+              </a:ext>
+            </a:extLst>
+          </a:blip>
+          <a:stretch>
+            <a:fillRect/>
+          </a:stretch>
+        </p:blipFill>
+        <p:spPr>
+          <a:xfrm>
+            <a:off x="5462821" y="4173449"/>
+            <a:ext cx="4226338" cy="2209704"/>
+          </a:xfrm>
+          <a:prstGeom prst="rect">
+            <a:avLst/>
+          </a:prstGeom>
+        </p:spPr>
+      </p:pic>
+      <p:pic>
+        <p:nvPicPr>
+          <p:cNvPr id="5" name="Imagem 4"/>
+          <p:cNvPicPr>
+            <a:picLocks noChangeAspect="1"/>
+          </p:cNvPicPr>
+          <p:nvPr/>
+        </p:nvPicPr>
+        <p:blipFill>
+          <a:blip r:embed="rId4">
+            <a:extLst>
+              <a:ext uri="{28A0092B-C50C-407E-A947-70E740481C1C}">
+                <a14:useLocalDpi xmlns:a14="http://schemas.microsoft.com/office/drawing/2010/main" val="0"/>
+              </a:ext>
+            </a:extLst>
+          </a:blip>
+          <a:stretch>
+            <a:fillRect/>
+          </a:stretch>
+        </p:blipFill>
+        <p:spPr>
+          <a:xfrm>
+            <a:off x="8081319" y="1904999"/>
+            <a:ext cx="3941060" cy="2131541"/>
+          </a:xfrm>
+          <a:prstGeom prst="rect">
+            <a:avLst/>
+          </a:prstGeom>
+        </p:spPr>
+      </p:pic>
     </p:spTree>
     <p:extLst>
       <p:ext uri="{BB962C8B-B14F-4D97-AF65-F5344CB8AC3E}">
@@ -8240,8 +8368,8 @@
         </p:blipFill>
         <p:spPr>
           <a:xfrm>
-            <a:off x="6820930" y="1581665"/>
-            <a:ext cx="3031524" cy="4258962"/>
+            <a:off x="6293707" y="1499286"/>
+            <a:ext cx="4118919" cy="4390768"/>
           </a:xfrm>
           <a:prstGeom prst="rect">
             <a:avLst/>
@@ -8295,7 +8423,12 @@
             <p:ph type="title"/>
           </p:nvPr>
         </p:nvSpPr>
-        <p:spPr/>
+        <p:spPr>
+          <a:xfrm>
+            <a:off x="2592925" y="624110"/>
+            <a:ext cx="8911687" cy="652755"/>
+          </a:xfrm>
+        </p:spPr>
         <p:txBody>
           <a:bodyPr/>
           <a:lstStyle/>
@@ -8313,32 +8446,46 @@
               <a:t> </a:t>
             </a:r>
             <a:r>
+              <a:rPr lang="pt-BR" dirty="0" smtClean="0"/>
+              <a:t>-</a:t>
+            </a:r>
+            <a:r>
               <a:rPr lang="pt-BR" b="1" dirty="0" smtClean="0"/>
-              <a:t>- Shell Script</a:t>
+              <a:t> Shell Script</a:t>
             </a:r>
             <a:endParaRPr lang="pt-BR" b="1" dirty="0"/>
           </a:p>
         </p:txBody>
       </p:sp>
-      <p:sp>
-        <p:nvSpPr>
-          <p:cNvPr id="3" name="Espaço Reservado para Conteúdo 2"/>
-          <p:cNvSpPr>
-            <a:spLocks noGrp="1"/>
-          </p:cNvSpPr>
+      <p:pic>
+        <p:nvPicPr>
+          <p:cNvPr id="5" name="Espaço Reservado para Conteúdo 4"/>
+          <p:cNvPicPr>
+            <a:picLocks noGrp="1" noChangeAspect="1"/>
+          </p:cNvPicPr>
           <p:nvPr>
             <p:ph idx="1"/>
           </p:nvPr>
-        </p:nvSpPr>
-        <p:spPr/>
-        <p:txBody>
-          <a:bodyPr/>
-          <a:lstStyle/>
-          <a:p>
-            <a:endParaRPr lang="pt-BR"/>
-          </a:p>
-        </p:txBody>
-      </p:sp>
+        </p:nvPicPr>
+        <p:blipFill>
+          <a:blip r:embed="rId2">
+            <a:extLst>
+              <a:ext uri="{28A0092B-C50C-407E-A947-70E740481C1C}">
+                <a14:useLocalDpi xmlns:a14="http://schemas.microsoft.com/office/drawing/2010/main" val="0"/>
+              </a:ext>
+            </a:extLst>
+          </a:blip>
+          <a:stretch>
+            <a:fillRect/>
+          </a:stretch>
+        </p:blipFill>
+        <p:spPr>
+          <a:xfrm>
+            <a:off x="2601163" y="1356326"/>
+            <a:ext cx="7785868" cy="4805576"/>
+          </a:xfrm>
+        </p:spPr>
+      </p:pic>
     </p:spTree>
     <p:extLst>
       <p:ext uri="{BB962C8B-B14F-4D97-AF65-F5344CB8AC3E}">
@@ -8434,7 +8581,7 @@
         </p:blipFill>
         <p:spPr>
           <a:xfrm>
-            <a:off x="2147371" y="1278065"/>
+            <a:off x="2040279" y="1294540"/>
             <a:ext cx="8570766" cy="5336919"/>
           </a:xfrm>
           <a:prstGeom prst="rect">
@@ -8594,47 +8741,44 @@
             <p:ph type="title"/>
           </p:nvPr>
         </p:nvSpPr>
-        <p:spPr>
-          <a:xfrm>
-            <a:off x="4579917" y="2986565"/>
-            <a:ext cx="3600255" cy="817512"/>
-          </a:xfrm>
-        </p:spPr>
-        <p:txBody>
-          <a:bodyPr>
-            <a:noAutofit/>
-          </a:bodyPr>
+        <p:spPr/>
+        <p:txBody>
+          <a:bodyPr/>
           <a:lstStyle/>
           <a:p>
-            <a:r>
-              <a:rPr lang="pt-BR" sz="4800" b="1" dirty="0" smtClean="0"/>
-              <a:t>Obrigado</a:t>
-            </a:r>
-            <a:r>
-              <a:rPr lang="pt-BR" sz="4800" b="1" dirty="0" smtClean="0"/>
-              <a:t>!</a:t>
-            </a:r>
-            <a:endParaRPr lang="pt-BR" sz="4800" b="1" dirty="0"/>
+            <a:endParaRPr lang="pt-BR" dirty="0"/>
+          </a:p>
+        </p:txBody>
+      </p:sp>
+      <p:sp>
+        <p:nvSpPr>
+          <p:cNvPr id="3" name="Espaço Reservado para Conteúdo 2"/>
+          <p:cNvSpPr>
+            <a:spLocks noGrp="1"/>
+          </p:cNvSpPr>
+          <p:nvPr>
+            <p:ph idx="1"/>
+          </p:nvPr>
+        </p:nvSpPr>
+        <p:spPr/>
+        <p:txBody>
+          <a:bodyPr/>
+          <a:lstStyle/>
+          <a:p>
+            <a:endParaRPr lang="pt-BR"/>
           </a:p>
         </p:txBody>
       </p:sp>
     </p:spTree>
     <p:extLst>
       <p:ext uri="{BB962C8B-B14F-4D97-AF65-F5344CB8AC3E}">
-        <p14:creationId xmlns:p14="http://schemas.microsoft.com/office/powerpoint/2010/main" val="625985766"/>
+        <p14:creationId xmlns:p14="http://schemas.microsoft.com/office/powerpoint/2010/main" val="3482792146"/>
       </p:ext>
     </p:extLst>
   </p:cSld>
   <p:clrMapOvr>
     <a:masterClrMapping/>
   </p:clrMapOvr>
-  <p:timing>
-    <p:tnLst>
-      <p:par>
-        <p:cTn id="1" dur="indefinite" restart="never" nodeType="tmRoot"/>
-      </p:par>
-    </p:tnLst>
-  </p:timing>
 </p:sld>
 </file>
 

--- a/Tarefa-02/Apresentacao_EDL.pptx
+++ b/Tarefa-02/Apresentacao_EDL.pptx
@@ -13,8 +13,7 @@
     <p:sldId id="264" r:id="rId7"/>
     <p:sldId id="262" r:id="rId8"/>
     <p:sldId id="263" r:id="rId9"/>
-    <p:sldId id="265" r:id="rId10"/>
-    <p:sldId id="261" r:id="rId11"/>
+    <p:sldId id="266" r:id="rId10"/>
   </p:sldIdLst>
   <p:sldSz cx="12192000" cy="6858000"/>
   <p:notesSz cx="6858000" cy="9144000"/>
@@ -7728,73 +7727,6 @@
 </p:sld>
 </file>
 
-<file path=ppt/slides/slide10.xml><?xml version="1.0" encoding="utf-8"?>
-<p:sld xmlns:a="http://schemas.openxmlformats.org/drawingml/2006/main" xmlns:r="http://schemas.openxmlformats.org/officeDocument/2006/relationships" xmlns:p="http://schemas.openxmlformats.org/presentationml/2006/main">
-  <p:cSld>
-    <p:spTree>
-      <p:nvGrpSpPr>
-        <p:cNvPr id="1" name=""/>
-        <p:cNvGrpSpPr/>
-        <p:nvPr/>
-      </p:nvGrpSpPr>
-      <p:grpSpPr>
-        <a:xfrm>
-          <a:off x="0" y="0"/>
-          <a:ext cx="0" cy="0"/>
-          <a:chOff x="0" y="0"/>
-          <a:chExt cx="0" cy="0"/>
-        </a:xfrm>
-      </p:grpSpPr>
-      <p:sp>
-        <p:nvSpPr>
-          <p:cNvPr id="2" name="Título 1"/>
-          <p:cNvSpPr>
-            <a:spLocks noGrp="1"/>
-          </p:cNvSpPr>
-          <p:nvPr>
-            <p:ph type="title"/>
-          </p:nvPr>
-        </p:nvSpPr>
-        <p:spPr>
-          <a:xfrm>
-            <a:off x="4579917" y="2986565"/>
-            <a:ext cx="3600255" cy="817512"/>
-          </a:xfrm>
-        </p:spPr>
-        <p:txBody>
-          <a:bodyPr>
-            <a:noAutofit/>
-          </a:bodyPr>
-          <a:lstStyle/>
-          <a:p>
-            <a:r>
-              <a:rPr lang="pt-BR" sz="4800" b="1" dirty="0" smtClean="0"/>
-              <a:t>Obrigado!</a:t>
-            </a:r>
-            <a:endParaRPr lang="pt-BR" sz="4800" b="1" dirty="0"/>
-          </a:p>
-        </p:txBody>
-      </p:sp>
-    </p:spTree>
-    <p:extLst>
-      <p:ext uri="{BB962C8B-B14F-4D97-AF65-F5344CB8AC3E}">
-        <p14:creationId xmlns:p14="http://schemas.microsoft.com/office/powerpoint/2010/main" val="625985766"/>
-      </p:ext>
-    </p:extLst>
-  </p:cSld>
-  <p:clrMapOvr>
-    <a:masterClrMapping/>
-  </p:clrMapOvr>
-  <p:timing>
-    <p:tnLst>
-      <p:par>
-        <p:cTn id="1" dur="indefinite" restart="never" nodeType="tmRoot"/>
-      </p:par>
-    </p:tnLst>
-  </p:timing>
-</p:sld>
-</file>
-
 <file path=ppt/slides/slide2.xml><?xml version="1.0" encoding="utf-8"?>
 <p:sld xmlns:a="http://schemas.openxmlformats.org/drawingml/2006/main" xmlns:r="http://schemas.openxmlformats.org/officeDocument/2006/relationships" xmlns:p="http://schemas.openxmlformats.org/presentationml/2006/main">
   <p:cSld>
@@ -8115,18 +8047,22 @@
               <a:t>Imperativo: Estrutura de repetição, estruturas de </a:t>
             </a:r>
             <a:r>
-              <a:rPr lang="pt-BR" dirty="0"/>
-              <a:t>r</a:t>
-            </a:r>
-            <a:r>
               <a:rPr lang="pt-BR" dirty="0" smtClean="0"/>
-              <a:t>epetição, mudança de comportamento de variáveis, </a:t>
-            </a:r>
-          </a:p>
-          <a:p>
+              <a:t>decisão, </a:t>
+            </a:r>
             <a:r>
               <a:rPr lang="pt-BR" dirty="0" smtClean="0"/>
-              <a:t>Procedural: Pode-se criar e reutilizar sub-rotinas a qualquer momento, somente, respeitando </a:t>
+              <a:t>mudança de comportamento de variáveis, </a:t>
+            </a:r>
+          </a:p>
+          <a:p>
+            <a:r>
+              <a:rPr lang="pt-BR" dirty="0" smtClean="0"/>
+              <a:t>Procedural: Pode-se criar e reutilizar sub-rotinas a qualquer </a:t>
+            </a:r>
+            <a:r>
+              <a:rPr lang="pt-BR" dirty="0" smtClean="0"/>
+              <a:t>momento.</a:t>
             </a:r>
             <a:endParaRPr lang="pt-BR" dirty="0"/>
           </a:p>
@@ -8746,6 +8682,10 @@
           <a:bodyPr/>
           <a:lstStyle/>
           <a:p>
+            <a:r>
+              <a:rPr lang="pt-BR" dirty="0" smtClean="0"/>
+              <a:t>Referências</a:t>
+            </a:r>
             <a:endParaRPr lang="pt-BR" dirty="0"/>
           </a:p>
         </p:txBody>
@@ -8760,19 +8700,143 @@
             <p:ph idx="1"/>
           </p:nvPr>
         </p:nvSpPr>
-        <p:spPr/>
+        <p:spPr>
+          <a:xfrm>
+            <a:off x="2161309" y="1615044"/>
+            <a:ext cx="9343303" cy="4296178"/>
+          </a:xfrm>
+        </p:spPr>
         <p:txBody>
           <a:bodyPr/>
           <a:lstStyle/>
           <a:p>
-            <a:endParaRPr lang="pt-BR"/>
+            <a:r>
+              <a:rPr lang="pt-BR" dirty="0"/>
+              <a:t>The Python Standard Library. Disponível </a:t>
+            </a:r>
+            <a:r>
+              <a:rPr lang="pt-BR" dirty="0" smtClean="0"/>
+              <a:t>em:</a:t>
+            </a:r>
+            <a:br>
+              <a:rPr lang="pt-BR" dirty="0" smtClean="0"/>
+            </a:br>
+            <a:r>
+              <a:rPr lang="pt-BR" dirty="0"/>
+              <a:t> </a:t>
+            </a:r>
+            <a:r>
+              <a:rPr lang="pt-BR" dirty="0">
+                <a:hlinkClick r:id="rId2"/>
+              </a:rPr>
+              <a:t>https://docs.python.org/3.4/library/subprocess.html</a:t>
+            </a:r>
+            <a:r>
+              <a:rPr lang="pt-BR" dirty="0"/>
+              <a:t>. </a:t>
+            </a:r>
+            <a:r>
+              <a:rPr lang="pt-BR" dirty="0" smtClean="0"/>
+              <a:t>Acesso </a:t>
+            </a:r>
+            <a:r>
+              <a:rPr lang="pt-BR" dirty="0"/>
+              <a:t>em: 26 ago. 2019. </a:t>
+            </a:r>
+          </a:p>
+          <a:p>
+            <a:r>
+              <a:rPr lang="en-US" dirty="0"/>
+              <a:t>What is </a:t>
+            </a:r>
+            <a:r>
+              <a:rPr lang="en-US" dirty="0" err="1"/>
+              <a:t>subprocess</a:t>
+            </a:r>
+            <a:r>
+              <a:rPr lang="en-US" dirty="0"/>
+              <a:t> in Python?. </a:t>
+            </a:r>
+            <a:r>
+              <a:rPr lang="en-US" dirty="0" err="1"/>
+              <a:t>Disponível</a:t>
+            </a:r>
+            <a:r>
+              <a:rPr lang="en-US" dirty="0"/>
+              <a:t> em: </a:t>
+            </a:r>
+            <a:r>
+              <a:rPr lang="en-US" dirty="0">
+                <a:hlinkClick r:id="rId3"/>
+              </a:rPr>
+              <a:t>https://www.quora.com/What-is-subprocess-in-Python</a:t>
+            </a:r>
+            <a:r>
+              <a:rPr lang="en-US" dirty="0"/>
+              <a:t>. </a:t>
+            </a:r>
+            <a:r>
+              <a:rPr lang="en-US" dirty="0" err="1"/>
+              <a:t>Acesso</a:t>
+            </a:r>
+            <a:r>
+              <a:rPr lang="en-US" dirty="0"/>
+              <a:t> em: 30 ago. 2019.</a:t>
+            </a:r>
+          </a:p>
+          <a:p>
+            <a:r>
+              <a:rPr lang="pt-BR" dirty="0" err="1"/>
+              <a:t>Understanding</a:t>
+            </a:r>
+            <a:r>
+              <a:rPr lang="pt-BR" dirty="0"/>
+              <a:t> Java </a:t>
+            </a:r>
+            <a:r>
+              <a:rPr lang="pt-BR" dirty="0" err="1"/>
+              <a:t>Process</a:t>
+            </a:r>
+            <a:r>
+              <a:rPr lang="pt-BR" dirty="0"/>
+              <a:t> </a:t>
+            </a:r>
+            <a:r>
+              <a:rPr lang="pt-BR" dirty="0" err="1"/>
+              <a:t>and</a:t>
+            </a:r>
+            <a:r>
+              <a:rPr lang="pt-BR" dirty="0"/>
+              <a:t> Java </a:t>
+            </a:r>
+            <a:r>
+              <a:rPr lang="pt-BR" dirty="0" err="1"/>
+              <a:t>ProcessBuilder</a:t>
+            </a:r>
+            <a:r>
+              <a:rPr lang="pt-BR" dirty="0"/>
+              <a:t> em: </a:t>
+            </a:r>
+            <a:r>
+              <a:rPr lang="pt-BR" dirty="0">
+                <a:hlinkClick r:id="rId4"/>
+              </a:rPr>
+              <a:t>https://www.developer.com/java/data/understanding-java-process-and-java-processbuilder.html</a:t>
+            </a:r>
+            <a:r>
+              <a:rPr lang="pt-BR" dirty="0"/>
+              <a:t>. Acesso: 30 ago. 2019.</a:t>
+            </a:r>
+          </a:p>
+          <a:p>
+            <a:endParaRPr lang="pt-BR" dirty="0"/>
           </a:p>
         </p:txBody>
       </p:sp>
     </p:spTree>
     <p:extLst>
       <p:ext uri="{BB962C8B-B14F-4D97-AF65-F5344CB8AC3E}">
-        <p14:creationId xmlns:p14="http://schemas.microsoft.com/office/powerpoint/2010/main" val="3482792146"/>
+        <p14:creationId xmlns:p14="http://schemas.microsoft.com/office/powerpoint/2010/main" val="1318471935"/>
       </p:ext>
     </p:extLst>
   </p:cSld>

--- a/Tarefa-02/Apresentacao_EDL.pptx
+++ b/Tarefa-02/Apresentacao_EDL.pptx
@@ -7702,7 +7702,23 @@
                   <a:schemeClr val="tx1"/>
                 </a:solidFill>
               </a:rPr>
-              <a:t>Professor: Francisco Figueiredo Goytacaz Sant’Anna</a:t>
+              <a:t>Professor: </a:t>
+            </a:r>
+            <a:r>
+              <a:rPr lang="pt-BR" dirty="0" smtClean="0">
+                <a:solidFill>
+                  <a:schemeClr val="tx1"/>
+                </a:solidFill>
+              </a:rPr>
+              <a:t>Francisco </a:t>
+            </a:r>
+            <a:r>
+              <a:rPr lang="pt-BR" dirty="0" smtClean="0">
+                <a:solidFill>
+                  <a:schemeClr val="tx1"/>
+                </a:solidFill>
+              </a:rPr>
+              <a:t>Sant’Anna</a:t>
             </a:r>
           </a:p>
         </p:txBody>
@@ -8044,25 +8060,13 @@
           <a:p>
             <a:r>
               <a:rPr lang="pt-BR" dirty="0" smtClean="0"/>
-              <a:t>Imperativo: Estrutura de repetição, estruturas de </a:t>
-            </a:r>
+              <a:t>Imperativo: Estrutura de repetição, estruturas de decisão, mudança de comportamento de variáveis, </a:t>
+            </a:r>
+          </a:p>
+          <a:p>
             <a:r>
               <a:rPr lang="pt-BR" dirty="0" smtClean="0"/>
-              <a:t>decisão, </a:t>
-            </a:r>
-            <a:r>
-              <a:rPr lang="pt-BR" dirty="0" smtClean="0"/>
-              <a:t>mudança de comportamento de variáveis, </a:t>
-            </a:r>
-          </a:p>
-          <a:p>
-            <a:r>
-              <a:rPr lang="pt-BR" dirty="0" smtClean="0"/>
-              <a:t>Procedural: Pode-se criar e reutilizar sub-rotinas a qualquer </a:t>
-            </a:r>
-            <a:r>
-              <a:rPr lang="pt-BR" dirty="0" smtClean="0"/>
-              <a:t>momento.</a:t>
+              <a:t>Procedural: Pode-se criar e reutilizar sub-rotinas a qualquer momento.</a:t>
             </a:r>
             <a:endParaRPr lang="pt-BR" dirty="0"/>
           </a:p>

--- a/Tarefa-02/Apresentacao_EDL.pptx
+++ b/Tarefa-02/Apresentacao_EDL.pptx
@@ -6,14 +6,13 @@
   </p:sldMasterIdLst>
   <p:sldIdLst>
     <p:sldId id="256" r:id="rId2"/>
-    <p:sldId id="257" r:id="rId3"/>
-    <p:sldId id="258" r:id="rId4"/>
-    <p:sldId id="259" r:id="rId5"/>
-    <p:sldId id="260" r:id="rId6"/>
-    <p:sldId id="264" r:id="rId7"/>
-    <p:sldId id="262" r:id="rId8"/>
-    <p:sldId id="263" r:id="rId9"/>
-    <p:sldId id="266" r:id="rId10"/>
+    <p:sldId id="258" r:id="rId3"/>
+    <p:sldId id="259" r:id="rId4"/>
+    <p:sldId id="260" r:id="rId5"/>
+    <p:sldId id="264" r:id="rId6"/>
+    <p:sldId id="262" r:id="rId7"/>
+    <p:sldId id="263" r:id="rId8"/>
+    <p:sldId id="266" r:id="rId9"/>
   </p:sldIdLst>
   <p:sldSz cx="12192000" cy="6858000"/>
   <p:notesSz cx="6858000" cy="9144000"/>
@@ -7702,23 +7701,7 @@
                   <a:schemeClr val="tx1"/>
                 </a:solidFill>
               </a:rPr>
-              <a:t>Professor: </a:t>
-            </a:r>
-            <a:r>
-              <a:rPr lang="pt-BR" dirty="0" smtClean="0">
-                <a:solidFill>
-                  <a:schemeClr val="tx1"/>
-                </a:solidFill>
-              </a:rPr>
-              <a:t>Francisco </a:t>
-            </a:r>
-            <a:r>
-              <a:rPr lang="pt-BR" dirty="0" smtClean="0">
-                <a:solidFill>
-                  <a:schemeClr val="tx1"/>
-                </a:solidFill>
-              </a:rPr>
-              <a:t>Sant’Anna</a:t>
+              <a:t>Professor: Francisco Sant’Anna</a:t>
             </a:r>
           </a:p>
         </p:txBody>
@@ -7777,113 +7760,6 @@
           <a:p>
             <a:r>
               <a:rPr lang="pt-BR" dirty="0" smtClean="0"/>
-              <a:t>Sumário</a:t>
-            </a:r>
-            <a:endParaRPr lang="pt-BR" dirty="0"/>
-          </a:p>
-        </p:txBody>
-      </p:sp>
-      <p:sp>
-        <p:nvSpPr>
-          <p:cNvPr id="3" name="Espaço Reservado para Conteúdo 2"/>
-          <p:cNvSpPr>
-            <a:spLocks noGrp="1"/>
-          </p:cNvSpPr>
-          <p:nvPr>
-            <p:ph idx="1"/>
-          </p:nvPr>
-        </p:nvSpPr>
-        <p:spPr/>
-        <p:txBody>
-          <a:bodyPr/>
-          <a:lstStyle/>
-          <a:p>
-            <a:r>
-              <a:rPr lang="pt-BR" dirty="0" smtClean="0"/>
-              <a:t>Origens e Influências</a:t>
-            </a:r>
-          </a:p>
-          <a:p>
-            <a:r>
-              <a:rPr lang="pt-BR" dirty="0" smtClean="0"/>
-              <a:t>Classificação da Linguagem</a:t>
-            </a:r>
-          </a:p>
-          <a:p>
-            <a:r>
-              <a:rPr lang="pt-BR" dirty="0" smtClean="0"/>
-              <a:t>Estruturas (Variáveis, Controles de Fluxo e Repetição)</a:t>
-            </a:r>
-          </a:p>
-          <a:p>
-            <a:r>
-              <a:rPr lang="pt-BR" dirty="0" smtClean="0"/>
-              <a:t>Funcionalidade</a:t>
-            </a:r>
-          </a:p>
-          <a:p>
-            <a:r>
-              <a:rPr lang="pt-BR" dirty="0" smtClean="0"/>
-              <a:t>Expressividade/Análise de Comparativa </a:t>
-            </a:r>
-            <a:endParaRPr lang="pt-BR" dirty="0"/>
-          </a:p>
-        </p:txBody>
-      </p:sp>
-    </p:spTree>
-    <p:extLst>
-      <p:ext uri="{BB962C8B-B14F-4D97-AF65-F5344CB8AC3E}">
-        <p14:creationId xmlns:p14="http://schemas.microsoft.com/office/powerpoint/2010/main" val="1260045590"/>
-      </p:ext>
-    </p:extLst>
-  </p:cSld>
-  <p:clrMapOvr>
-    <a:masterClrMapping/>
-  </p:clrMapOvr>
-  <p:timing>
-    <p:tnLst>
-      <p:par>
-        <p:cTn id="1" dur="indefinite" restart="never" nodeType="tmRoot"/>
-      </p:par>
-    </p:tnLst>
-  </p:timing>
-</p:sld>
-</file>
-
-<file path=ppt/slides/slide3.xml><?xml version="1.0" encoding="utf-8"?>
-<p:sld xmlns:a="http://schemas.openxmlformats.org/drawingml/2006/main" xmlns:r="http://schemas.openxmlformats.org/officeDocument/2006/relationships" xmlns:p="http://schemas.openxmlformats.org/presentationml/2006/main">
-  <p:cSld>
-    <p:spTree>
-      <p:nvGrpSpPr>
-        <p:cNvPr id="1" name=""/>
-        <p:cNvGrpSpPr/>
-        <p:nvPr/>
-      </p:nvGrpSpPr>
-      <p:grpSpPr>
-        <a:xfrm>
-          <a:off x="0" y="0"/>
-          <a:ext cx="0" cy="0"/>
-          <a:chOff x="0" y="0"/>
-          <a:chExt cx="0" cy="0"/>
-        </a:xfrm>
-      </p:grpSpPr>
-      <p:sp>
-        <p:nvSpPr>
-          <p:cNvPr id="2" name="Título 1"/>
-          <p:cNvSpPr>
-            <a:spLocks noGrp="1"/>
-          </p:cNvSpPr>
-          <p:nvPr>
-            <p:ph type="title"/>
-          </p:nvPr>
-        </p:nvSpPr>
-        <p:spPr/>
-        <p:txBody>
-          <a:bodyPr/>
-          <a:lstStyle/>
-          <a:p>
-            <a:r>
-              <a:rPr lang="pt-BR" dirty="0" smtClean="0"/>
               <a:t>Origens e Influências</a:t>
             </a:r>
             <a:endParaRPr lang="pt-BR" dirty="0"/>
@@ -7920,7 +7796,7 @@
           <a:p>
             <a:r>
               <a:rPr lang="pt-BR" sz="1400" dirty="0" smtClean="0"/>
-              <a:t>Sistemas Operativos baseados em GNU/Unix.</a:t>
+              <a:t>Sistemas Operativos baseados em GNU/Linux.</a:t>
             </a:r>
           </a:p>
           <a:p>
@@ -7931,11 +7807,11 @@
           </a:p>
           <a:p>
             <a:r>
-              <a:rPr lang="pt-BR" sz="1400" dirty="0" smtClean="0"/>
-              <a:t>Shell </a:t>
-            </a:r>
-            <a:r>
-              <a:rPr lang="pt-BR" sz="1400" dirty="0" err="1" smtClean="0"/>
+              <a:rPr lang="pt-BR" sz="1400" dirty="0"/>
+              <a:t>Stephen </a:t>
+            </a:r>
+            <a:r>
+              <a:rPr lang="pt-BR" sz="1400" dirty="0" err="1"/>
               <a:t>Bourne</a:t>
             </a:r>
             <a:r>
@@ -7998,7 +7874,7 @@
 </p:sld>
 </file>
 
-<file path=ppt/slides/slide4.xml><?xml version="1.0" encoding="utf-8"?>
+<file path=ppt/slides/slide3.xml><?xml version="1.0" encoding="utf-8"?>
 <p:sld xmlns:a="http://schemas.openxmlformats.org/drawingml/2006/main" xmlns:r="http://schemas.openxmlformats.org/officeDocument/2006/relationships" xmlns:p="http://schemas.openxmlformats.org/presentationml/2006/main">
   <p:cSld>
     <p:spTree>
@@ -8182,7 +8058,7 @@
 </p:sld>
 </file>
 
-<file path=ppt/slides/slide5.xml><?xml version="1.0" encoding="utf-8"?>
+<file path=ppt/slides/slide4.xml><?xml version="1.0" encoding="utf-8"?>
 <p:sld xmlns:a="http://schemas.openxmlformats.org/drawingml/2006/main" xmlns:r="http://schemas.openxmlformats.org/officeDocument/2006/relationships" xmlns:p="http://schemas.openxmlformats.org/presentationml/2006/main">
   <p:cSld>
     <p:spTree>
@@ -8336,7 +8212,7 @@
 </p:sld>
 </file>
 
-<file path=ppt/slides/slide6.xml><?xml version="1.0" encoding="utf-8"?>
+<file path=ppt/slides/slide5.xml><?xml version="1.0" encoding="utf-8"?>
 <p:sld xmlns:a="http://schemas.openxmlformats.org/drawingml/2006/main" xmlns:r="http://schemas.openxmlformats.org/officeDocument/2006/relationships" xmlns:p="http://schemas.openxmlformats.org/presentationml/2006/main">
   <p:cSld>
     <p:spTree>
@@ -8446,7 +8322,7 @@
 </p:sld>
 </file>
 
-<file path=ppt/slides/slide7.xml><?xml version="1.0" encoding="utf-8"?>
+<file path=ppt/slides/slide6.xml><?xml version="1.0" encoding="utf-8"?>
 <p:sld xmlns:a="http://schemas.openxmlformats.org/drawingml/2006/main" xmlns:r="http://schemas.openxmlformats.org/officeDocument/2006/relationships" xmlns:p="http://schemas.openxmlformats.org/presentationml/2006/main">
   <p:cSld>
     <p:spTree>
@@ -8549,7 +8425,7 @@
 </p:sld>
 </file>
 
-<file path=ppt/slides/slide8.xml><?xml version="1.0" encoding="utf-8"?>
+<file path=ppt/slides/slide7.xml><?xml version="1.0" encoding="utf-8"?>
 <p:sld xmlns:a="http://schemas.openxmlformats.org/drawingml/2006/main" xmlns:r="http://schemas.openxmlformats.org/officeDocument/2006/relationships" xmlns:p="http://schemas.openxmlformats.org/presentationml/2006/main">
   <p:cSld>
     <p:spTree>
@@ -8654,7 +8530,7 @@
 </p:sld>
 </file>
 
-<file path=ppt/slides/slide9.xml><?xml version="1.0" encoding="utf-8"?>
+<file path=ppt/slides/slide8.xml><?xml version="1.0" encoding="utf-8"?>
 <p:sld xmlns:a="http://schemas.openxmlformats.org/drawingml/2006/main" xmlns:r="http://schemas.openxmlformats.org/officeDocument/2006/relationships" xmlns:p="http://schemas.openxmlformats.org/presentationml/2006/main">
   <p:cSld>
     <p:spTree>
@@ -8847,6 +8723,13 @@
   <p:clrMapOvr>
     <a:masterClrMapping/>
   </p:clrMapOvr>
+  <p:timing>
+    <p:tnLst>
+      <p:par>
+        <p:cTn id="1" dur="indefinite" restart="never" nodeType="tmRoot"/>
+      </p:par>
+    </p:tnLst>
+  </p:timing>
 </p:sld>
 </file>
 
